--- a/presentations/SHARP_2017/mdh_sharp_2017.pptx
+++ b/presentations/SHARP_2017/mdh_sharp_2017.pptx
@@ -54,6 +54,8 @@
     <p:sldId id="298" r:id="rId47"/>
     <p:sldId id="299" r:id="rId48"/>
     <p:sldId id="300" r:id="rId49"/>
+    <p:sldId id="301" r:id="rId50"/>
+    <p:sldId id="302" r:id="rId51"/>
   </p:sldIdLst>
   <p:sldSz cx="9144000" cy="6858000"/>
   <p:notesSz cx="7772400" cy="10058400"/>
@@ -301,7 +303,7 @@
           <a:bodyPr lIns="0" rIns="0" tIns="0" bIns="0" anchor="b"/>
           <a:p>
             <a:pPr algn="r"/>
-            <a:fld id="{F5510556-2AD3-48AA-8F4F-312D0E69B73C}" type="slidenum">
+            <a:fld id="{89021B64-D27B-4ABC-9979-278F40E1D10F}" type="slidenum">
               <a:rPr b="0" lang="en-CA" sz="1400" spc="-1" strike="noStrike">
                 <a:solidFill>
                   <a:srgbClr val="000000"/>
@@ -354,7 +356,7 @@
       </p:grpSpPr>
       <p:sp>
         <p:nvSpPr>
-          <p:cNvPr id="183" name="PlaceHolder 1"/>
+          <p:cNvPr id="187" name="PlaceHolder 1"/>
           <p:cNvSpPr>
             <a:spLocks noGrp="1"/>
           </p:cNvSpPr>
@@ -455,7 +457,7 @@
       </p:grpSpPr>
       <p:sp>
         <p:nvSpPr>
-          <p:cNvPr id="184" name="PlaceHolder 1"/>
+          <p:cNvPr id="188" name="PlaceHolder 1"/>
           <p:cNvSpPr>
             <a:spLocks noGrp="1"/>
           </p:cNvSpPr>
@@ -556,7 +558,7 @@
       </p:grpSpPr>
       <p:sp>
         <p:nvSpPr>
-          <p:cNvPr id="185" name="PlaceHolder 1"/>
+          <p:cNvPr id="189" name="PlaceHolder 1"/>
           <p:cNvSpPr>
             <a:spLocks noGrp="1"/>
           </p:cNvSpPr>
@@ -628,7 +630,7 @@
       </p:grpSpPr>
       <p:sp>
         <p:nvSpPr>
-          <p:cNvPr id="186" name="PlaceHolder 1"/>
+          <p:cNvPr id="190" name="PlaceHolder 1"/>
           <p:cNvSpPr>
             <a:spLocks noGrp="1"/>
           </p:cNvSpPr>
@@ -700,7 +702,7 @@
       </p:grpSpPr>
       <p:sp>
         <p:nvSpPr>
-          <p:cNvPr id="187" name="PlaceHolder 1"/>
+          <p:cNvPr id="191" name="PlaceHolder 1"/>
           <p:cNvSpPr>
             <a:spLocks noGrp="1"/>
           </p:cNvSpPr>
@@ -772,7 +774,7 @@
       </p:grpSpPr>
       <p:sp>
         <p:nvSpPr>
-          <p:cNvPr id="188" name="PlaceHolder 1"/>
+          <p:cNvPr id="192" name="PlaceHolder 1"/>
           <p:cNvSpPr>
             <a:spLocks noGrp="1"/>
           </p:cNvSpPr>
@@ -844,7 +846,7 @@
       </p:grpSpPr>
       <p:sp>
         <p:nvSpPr>
-          <p:cNvPr id="189" name="PlaceHolder 1"/>
+          <p:cNvPr id="193" name="PlaceHolder 1"/>
           <p:cNvSpPr>
             <a:spLocks noGrp="1"/>
           </p:cNvSpPr>
@@ -916,7 +918,7 @@
       </p:grpSpPr>
       <p:sp>
         <p:nvSpPr>
-          <p:cNvPr id="190" name="PlaceHolder 1"/>
+          <p:cNvPr id="194" name="PlaceHolder 1"/>
           <p:cNvSpPr>
             <a:spLocks noGrp="1"/>
           </p:cNvSpPr>
@@ -988,7 +990,7 @@
       </p:grpSpPr>
       <p:sp>
         <p:nvSpPr>
-          <p:cNvPr id="191" name="PlaceHolder 1"/>
+          <p:cNvPr id="195" name="PlaceHolder 1"/>
           <p:cNvSpPr>
             <a:spLocks noGrp="1"/>
           </p:cNvSpPr>
@@ -1060,7 +1062,7 @@
       </p:grpSpPr>
       <p:sp>
         <p:nvSpPr>
-          <p:cNvPr id="192" name="PlaceHolder 1"/>
+          <p:cNvPr id="196" name="PlaceHolder 1"/>
           <p:cNvSpPr>
             <a:spLocks noGrp="1"/>
           </p:cNvSpPr>
@@ -1132,7 +1134,7 @@
       </p:grpSpPr>
       <p:sp>
         <p:nvSpPr>
-          <p:cNvPr id="193" name="PlaceHolder 1"/>
+          <p:cNvPr id="197" name="PlaceHolder 1"/>
           <p:cNvSpPr>
             <a:spLocks noGrp="1"/>
           </p:cNvSpPr>
@@ -1204,7 +1206,7 @@
       </p:grpSpPr>
       <p:sp>
         <p:nvSpPr>
-          <p:cNvPr id="194" name="PlaceHolder 1"/>
+          <p:cNvPr id="198" name="PlaceHolder 1"/>
           <p:cNvSpPr>
             <a:spLocks noGrp="1"/>
           </p:cNvSpPr>
@@ -1305,7 +1307,7 @@
       </p:grpSpPr>
       <p:sp>
         <p:nvSpPr>
-          <p:cNvPr id="195" name="PlaceHolder 1"/>
+          <p:cNvPr id="199" name="PlaceHolder 1"/>
           <p:cNvSpPr>
             <a:spLocks noGrp="1"/>
           </p:cNvSpPr>
@@ -5648,33 +5650,6 @@
       </p:sp>
     </p:spTree>
   </p:cSld>
-  <p:timing>
-    <p:tnLst>
-      <p:par>
-        <p:cTn id="1" dur="indefinite" restart="never" nodeType="tmRoot">
-          <p:childTnLst>
-            <p:seq>
-              <p:cTn id="2" nodeType="mainSeq"/>
-              <p:prevCondLst>
-                <p:cond delay="0" evt="onPrev">
-                  <p:tgtEl>
-                    <p:sldTgt/>
-                  </p:tgtEl>
-                </p:cond>
-              </p:prevCondLst>
-              <p:nextCondLst>
-                <p:cond delay="0" evt="onNext">
-                  <p:tgtEl>
-                    <p:sldTgt/>
-                  </p:tgtEl>
-                </p:cond>
-              </p:nextCondLst>
-            </p:seq>
-          </p:childTnLst>
-        </p:cTn>
-      </p:par>
-    </p:tnLst>
-  </p:timing>
 </p:sld>
 </file>
 
@@ -5991,33 +5966,6 @@
       </p:sp>
     </p:spTree>
   </p:cSld>
-  <p:timing>
-    <p:tnLst>
-      <p:par>
-        <p:cTn id="23" dur="indefinite" restart="never" nodeType="tmRoot">
-          <p:childTnLst>
-            <p:seq>
-              <p:cTn id="24" nodeType="mainSeq"/>
-              <p:prevCondLst>
-                <p:cond delay="0" evt="onPrev">
-                  <p:tgtEl>
-                    <p:sldTgt/>
-                  </p:tgtEl>
-                </p:cond>
-              </p:prevCondLst>
-              <p:nextCondLst>
-                <p:cond delay="0" evt="onNext">
-                  <p:tgtEl>
-                    <p:sldTgt/>
-                  </p:tgtEl>
-                </p:cond>
-              </p:nextCondLst>
-            </p:seq>
-          </p:childTnLst>
-        </p:cTn>
-      </p:par>
-    </p:tnLst>
-  </p:timing>
 </p:sld>
 </file>
 
@@ -6371,33 +6319,6 @@
       </p:sp>
     </p:spTree>
   </p:cSld>
-  <p:timing>
-    <p:tnLst>
-      <p:par>
-        <p:cTn id="25" dur="indefinite" restart="never" nodeType="tmRoot">
-          <p:childTnLst>
-            <p:seq>
-              <p:cTn id="26" nodeType="mainSeq"/>
-              <p:prevCondLst>
-                <p:cond delay="0" evt="onPrev">
-                  <p:tgtEl>
-                    <p:sldTgt/>
-                  </p:tgtEl>
-                </p:cond>
-              </p:prevCondLst>
-              <p:nextCondLst>
-                <p:cond delay="0" evt="onNext">
-                  <p:tgtEl>
-                    <p:sldTgt/>
-                  </p:tgtEl>
-                </p:cond>
-              </p:nextCondLst>
-            </p:seq>
-          </p:childTnLst>
-        </p:cTn>
-      </p:par>
-    </p:tnLst>
-  </p:timing>
 </p:sld>
 </file>
 
@@ -6557,33 +6478,6 @@
       </p:pic>
     </p:spTree>
   </p:cSld>
-  <p:timing>
-    <p:tnLst>
-      <p:par>
-        <p:cTn id="27" dur="indefinite" restart="never" nodeType="tmRoot">
-          <p:childTnLst>
-            <p:seq>
-              <p:cTn id="28" nodeType="mainSeq"/>
-              <p:prevCondLst>
-                <p:cond delay="0" evt="onPrev">
-                  <p:tgtEl>
-                    <p:sldTgt/>
-                  </p:tgtEl>
-                </p:cond>
-              </p:prevCondLst>
-              <p:nextCondLst>
-                <p:cond delay="0" evt="onNext">
-                  <p:tgtEl>
-                    <p:sldTgt/>
-                  </p:tgtEl>
-                </p:cond>
-              </p:nextCondLst>
-            </p:seq>
-          </p:childTnLst>
-        </p:cTn>
-      </p:par>
-    </p:tnLst>
-  </p:timing>
 </p:sld>
 </file>
 
@@ -6781,33 +6675,6 @@
       </p:pic>
     </p:spTree>
   </p:cSld>
-  <p:timing>
-    <p:tnLst>
-      <p:par>
-        <p:cTn id="29" dur="indefinite" restart="never" nodeType="tmRoot">
-          <p:childTnLst>
-            <p:seq>
-              <p:cTn id="30" nodeType="mainSeq"/>
-              <p:prevCondLst>
-                <p:cond delay="0" evt="onPrev">
-                  <p:tgtEl>
-                    <p:sldTgt/>
-                  </p:tgtEl>
-                </p:cond>
-              </p:prevCondLst>
-              <p:nextCondLst>
-                <p:cond delay="0" evt="onNext">
-                  <p:tgtEl>
-                    <p:sldTgt/>
-                  </p:tgtEl>
-                </p:cond>
-              </p:nextCondLst>
-            </p:seq>
-          </p:childTnLst>
-        </p:cTn>
-      </p:par>
-    </p:tnLst>
-  </p:timing>
 </p:sld>
 </file>
 
@@ -7005,33 +6872,6 @@
       </p:pic>
     </p:spTree>
   </p:cSld>
-  <p:timing>
-    <p:tnLst>
-      <p:par>
-        <p:cTn id="31" dur="indefinite" restart="never" nodeType="tmRoot">
-          <p:childTnLst>
-            <p:seq>
-              <p:cTn id="32" nodeType="mainSeq"/>
-              <p:prevCondLst>
-                <p:cond delay="0" evt="onPrev">
-                  <p:tgtEl>
-                    <p:sldTgt/>
-                  </p:tgtEl>
-                </p:cond>
-              </p:prevCondLst>
-              <p:nextCondLst>
-                <p:cond delay="0" evt="onNext">
-                  <p:tgtEl>
-                    <p:sldTgt/>
-                  </p:tgtEl>
-                </p:cond>
-              </p:nextCondLst>
-            </p:seq>
-          </p:childTnLst>
-        </p:cTn>
-      </p:par>
-    </p:tnLst>
-  </p:timing>
 </p:sld>
 </file>
 
@@ -7221,33 +7061,6 @@
       </p:sp>
     </p:spTree>
   </p:cSld>
-  <p:timing>
-    <p:tnLst>
-      <p:par>
-        <p:cTn id="33" dur="indefinite" restart="never" nodeType="tmRoot">
-          <p:childTnLst>
-            <p:seq>
-              <p:cTn id="34" nodeType="mainSeq"/>
-              <p:prevCondLst>
-                <p:cond delay="0" evt="onPrev">
-                  <p:tgtEl>
-                    <p:sldTgt/>
-                  </p:tgtEl>
-                </p:cond>
-              </p:prevCondLst>
-              <p:nextCondLst>
-                <p:cond delay="0" evt="onNext">
-                  <p:tgtEl>
-                    <p:sldTgt/>
-                  </p:tgtEl>
-                </p:cond>
-              </p:nextCondLst>
-            </p:seq>
-          </p:childTnLst>
-        </p:cTn>
-      </p:par>
-    </p:tnLst>
-  </p:timing>
 </p:sld>
 </file>
 
@@ -7467,33 +7280,6 @@
       </p:sp>
     </p:spTree>
   </p:cSld>
-  <p:timing>
-    <p:tnLst>
-      <p:par>
-        <p:cTn id="35" dur="indefinite" restart="never" nodeType="tmRoot">
-          <p:childTnLst>
-            <p:seq>
-              <p:cTn id="36" nodeType="mainSeq"/>
-              <p:prevCondLst>
-                <p:cond delay="0" evt="onPrev">
-                  <p:tgtEl>
-                    <p:sldTgt/>
-                  </p:tgtEl>
-                </p:cond>
-              </p:prevCondLst>
-              <p:nextCondLst>
-                <p:cond delay="0" evt="onNext">
-                  <p:tgtEl>
-                    <p:sldTgt/>
-                  </p:tgtEl>
-                </p:cond>
-              </p:nextCondLst>
-            </p:seq>
-          </p:childTnLst>
-        </p:cTn>
-      </p:par>
-    </p:tnLst>
-  </p:timing>
 </p:sld>
 </file>
 
@@ -7756,33 +7542,6 @@
       </p:sp>
     </p:spTree>
   </p:cSld>
-  <p:timing>
-    <p:tnLst>
-      <p:par>
-        <p:cTn id="37" dur="indefinite" restart="never" nodeType="tmRoot">
-          <p:childTnLst>
-            <p:seq>
-              <p:cTn id="38" nodeType="mainSeq"/>
-              <p:prevCondLst>
-                <p:cond delay="0" evt="onPrev">
-                  <p:tgtEl>
-                    <p:sldTgt/>
-                  </p:tgtEl>
-                </p:cond>
-              </p:prevCondLst>
-              <p:nextCondLst>
-                <p:cond delay="0" evt="onNext">
-                  <p:tgtEl>
-                    <p:sldTgt/>
-                  </p:tgtEl>
-                </p:cond>
-              </p:nextCondLst>
-            </p:seq>
-          </p:childTnLst>
-        </p:cTn>
-      </p:par>
-    </p:tnLst>
-  </p:timing>
 </p:sld>
 </file>
 
@@ -8088,33 +7847,6 @@
       </p:sp>
     </p:spTree>
   </p:cSld>
-  <p:timing>
-    <p:tnLst>
-      <p:par>
-        <p:cTn id="39" dur="indefinite" restart="never" nodeType="tmRoot">
-          <p:childTnLst>
-            <p:seq>
-              <p:cTn id="40" nodeType="mainSeq"/>
-              <p:prevCondLst>
-                <p:cond delay="0" evt="onPrev">
-                  <p:tgtEl>
-                    <p:sldTgt/>
-                  </p:tgtEl>
-                </p:cond>
-              </p:prevCondLst>
-              <p:nextCondLst>
-                <p:cond delay="0" evt="onNext">
-                  <p:tgtEl>
-                    <p:sldTgt/>
-                  </p:tgtEl>
-                </p:cond>
-              </p:nextCondLst>
-            </p:seq>
-          </p:childTnLst>
-        </p:cTn>
-      </p:par>
-    </p:tnLst>
-  </p:timing>
 </p:sld>
 </file>
 
@@ -8459,33 +8191,6 @@
       </p:sp>
     </p:spTree>
   </p:cSld>
-  <p:timing>
-    <p:tnLst>
-      <p:par>
-        <p:cTn id="41" dur="indefinite" restart="never" nodeType="tmRoot">
-          <p:childTnLst>
-            <p:seq>
-              <p:cTn id="42" nodeType="mainSeq"/>
-              <p:prevCondLst>
-                <p:cond delay="0" evt="onPrev">
-                  <p:tgtEl>
-                    <p:sldTgt/>
-                  </p:tgtEl>
-                </p:cond>
-              </p:prevCondLst>
-              <p:nextCondLst>
-                <p:cond delay="0" evt="onNext">
-                  <p:tgtEl>
-                    <p:sldTgt/>
-                  </p:tgtEl>
-                </p:cond>
-              </p:nextCondLst>
-            </p:seq>
-          </p:childTnLst>
-        </p:cTn>
-      </p:par>
-    </p:tnLst>
-  </p:timing>
 </p:sld>
 </file>
 
@@ -8722,33 +8427,6 @@
       </p:sp>
     </p:spTree>
   </p:cSld>
-  <p:timing>
-    <p:tnLst>
-      <p:par>
-        <p:cTn id="3" dur="indefinite" restart="never" nodeType="tmRoot">
-          <p:childTnLst>
-            <p:seq>
-              <p:cTn id="4" nodeType="mainSeq"/>
-              <p:prevCondLst>
-                <p:cond delay="0" evt="onPrev">
-                  <p:tgtEl>
-                    <p:sldTgt/>
-                  </p:tgtEl>
-                </p:cond>
-              </p:prevCondLst>
-              <p:nextCondLst>
-                <p:cond delay="0" evt="onNext">
-                  <p:tgtEl>
-                    <p:sldTgt/>
-                  </p:tgtEl>
-                </p:cond>
-              </p:nextCondLst>
-            </p:seq>
-          </p:childTnLst>
-        </p:cTn>
-      </p:par>
-    </p:tnLst>
-  </p:timing>
 </p:sld>
 </file>
 
@@ -9132,33 +8810,6 @@
       </p:sp>
     </p:spTree>
   </p:cSld>
-  <p:timing>
-    <p:tnLst>
-      <p:par>
-        <p:cTn id="43" dur="indefinite" restart="never" nodeType="tmRoot">
-          <p:childTnLst>
-            <p:seq>
-              <p:cTn id="44" nodeType="mainSeq"/>
-              <p:prevCondLst>
-                <p:cond delay="0" evt="onPrev">
-                  <p:tgtEl>
-                    <p:sldTgt/>
-                  </p:tgtEl>
-                </p:cond>
-              </p:prevCondLst>
-              <p:nextCondLst>
-                <p:cond delay="0" evt="onNext">
-                  <p:tgtEl>
-                    <p:sldTgt/>
-                  </p:tgtEl>
-                </p:cond>
-              </p:nextCondLst>
-            </p:seq>
-          </p:childTnLst>
-        </p:cTn>
-      </p:par>
-    </p:tnLst>
-  </p:timing>
 </p:sld>
 </file>
 
@@ -9596,33 +9247,6 @@
       </p:sp>
     </p:spTree>
   </p:cSld>
-  <p:timing>
-    <p:tnLst>
-      <p:par>
-        <p:cTn id="45" dur="indefinite" restart="never" nodeType="tmRoot">
-          <p:childTnLst>
-            <p:seq>
-              <p:cTn id="46" nodeType="mainSeq"/>
-              <p:prevCondLst>
-                <p:cond delay="0" evt="onPrev">
-                  <p:tgtEl>
-                    <p:sldTgt/>
-                  </p:tgtEl>
-                </p:cond>
-              </p:prevCondLst>
-              <p:nextCondLst>
-                <p:cond delay="0" evt="onNext">
-                  <p:tgtEl>
-                    <p:sldTgt/>
-                  </p:tgtEl>
-                </p:cond>
-              </p:nextCondLst>
-            </p:seq>
-          </p:childTnLst>
-        </p:cTn>
-      </p:par>
-    </p:tnLst>
-  </p:timing>
 </p:sld>
 </file>
 
@@ -10099,33 +9723,6 @@
       </p:sp>
     </p:spTree>
   </p:cSld>
-  <p:timing>
-    <p:tnLst>
-      <p:par>
-        <p:cTn id="47" dur="indefinite" restart="never" nodeType="tmRoot">
-          <p:childTnLst>
-            <p:seq>
-              <p:cTn id="48" nodeType="mainSeq"/>
-              <p:prevCondLst>
-                <p:cond delay="0" evt="onPrev">
-                  <p:tgtEl>
-                    <p:sldTgt/>
-                  </p:tgtEl>
-                </p:cond>
-              </p:prevCondLst>
-              <p:nextCondLst>
-                <p:cond delay="0" evt="onNext">
-                  <p:tgtEl>
-                    <p:sldTgt/>
-                  </p:tgtEl>
-                </p:cond>
-              </p:nextCondLst>
-            </p:seq>
-          </p:childTnLst>
-        </p:cTn>
-      </p:par>
-    </p:tnLst>
-  </p:timing>
 </p:sld>
 </file>
 
@@ -10513,33 +10110,6 @@
       </p:sp>
     </p:spTree>
   </p:cSld>
-  <p:timing>
-    <p:tnLst>
-      <p:par>
-        <p:cTn id="49" dur="indefinite" restart="never" nodeType="tmRoot">
-          <p:childTnLst>
-            <p:seq>
-              <p:cTn id="50" nodeType="mainSeq"/>
-              <p:prevCondLst>
-                <p:cond delay="0" evt="onPrev">
-                  <p:tgtEl>
-                    <p:sldTgt/>
-                  </p:tgtEl>
-                </p:cond>
-              </p:prevCondLst>
-              <p:nextCondLst>
-                <p:cond delay="0" evt="onNext">
-                  <p:tgtEl>
-                    <p:sldTgt/>
-                  </p:tgtEl>
-                </p:cond>
-              </p:nextCondLst>
-            </p:seq>
-          </p:childTnLst>
-        </p:cTn>
-      </p:par>
-    </p:tnLst>
-  </p:timing>
 </p:sld>
 </file>
 
@@ -10676,33 +10246,6 @@
       </p:sp>
     </p:spTree>
   </p:cSld>
-  <p:timing>
-    <p:tnLst>
-      <p:par>
-        <p:cTn id="51" dur="indefinite" restart="never" nodeType="tmRoot">
-          <p:childTnLst>
-            <p:seq>
-              <p:cTn id="52" nodeType="mainSeq"/>
-              <p:prevCondLst>
-                <p:cond delay="0" evt="onPrev">
-                  <p:tgtEl>
-                    <p:sldTgt/>
-                  </p:tgtEl>
-                </p:cond>
-              </p:prevCondLst>
-              <p:nextCondLst>
-                <p:cond delay="0" evt="onNext">
-                  <p:tgtEl>
-                    <p:sldTgt/>
-                  </p:tgtEl>
-                </p:cond>
-              </p:nextCondLst>
-            </p:seq>
-          </p:childTnLst>
-        </p:cTn>
-      </p:par>
-    </p:tnLst>
-  </p:timing>
 </p:sld>
 </file>
 
@@ -11071,33 +10614,6 @@
       </p:sp>
     </p:spTree>
   </p:cSld>
-  <p:timing>
-    <p:tnLst>
-      <p:par>
-        <p:cTn id="53" dur="indefinite" restart="never" nodeType="tmRoot">
-          <p:childTnLst>
-            <p:seq>
-              <p:cTn id="54" nodeType="mainSeq"/>
-              <p:prevCondLst>
-                <p:cond delay="0" evt="onPrev">
-                  <p:tgtEl>
-                    <p:sldTgt/>
-                  </p:tgtEl>
-                </p:cond>
-              </p:prevCondLst>
-              <p:nextCondLst>
-                <p:cond delay="0" evt="onNext">
-                  <p:tgtEl>
-                    <p:sldTgt/>
-                  </p:tgtEl>
-                </p:cond>
-              </p:nextCondLst>
-            </p:seq>
-          </p:childTnLst>
-        </p:cTn>
-      </p:par>
-    </p:tnLst>
-  </p:timing>
 </p:sld>
 </file>
 
@@ -11317,33 +10833,6 @@
       </p:sp>
     </p:spTree>
   </p:cSld>
-  <p:timing>
-    <p:tnLst>
-      <p:par>
-        <p:cTn id="55" dur="indefinite" restart="never" nodeType="tmRoot">
-          <p:childTnLst>
-            <p:seq>
-              <p:cTn id="56" nodeType="mainSeq"/>
-              <p:prevCondLst>
-                <p:cond delay="0" evt="onPrev">
-                  <p:tgtEl>
-                    <p:sldTgt/>
-                  </p:tgtEl>
-                </p:cond>
-              </p:prevCondLst>
-              <p:nextCondLst>
-                <p:cond delay="0" evt="onNext">
-                  <p:tgtEl>
-                    <p:sldTgt/>
-                  </p:tgtEl>
-                </p:cond>
-              </p:nextCondLst>
-            </p:seq>
-          </p:childTnLst>
-        </p:cTn>
-      </p:par>
-    </p:tnLst>
-  </p:timing>
 </p:sld>
 </file>
 
@@ -11520,33 +11009,6 @@
       </p:sp>
     </p:spTree>
   </p:cSld>
-  <p:timing>
-    <p:tnLst>
-      <p:par>
-        <p:cTn id="57" dur="indefinite" restart="never" nodeType="tmRoot">
-          <p:childTnLst>
-            <p:seq>
-              <p:cTn id="58" nodeType="mainSeq"/>
-              <p:prevCondLst>
-                <p:cond delay="0" evt="onPrev">
-                  <p:tgtEl>
-                    <p:sldTgt/>
-                  </p:tgtEl>
-                </p:cond>
-              </p:prevCondLst>
-              <p:nextCondLst>
-                <p:cond delay="0" evt="onNext">
-                  <p:tgtEl>
-                    <p:sldTgt/>
-                  </p:tgtEl>
-                </p:cond>
-              </p:nextCondLst>
-            </p:seq>
-          </p:childTnLst>
-        </p:cTn>
-      </p:par>
-    </p:tnLst>
-  </p:timing>
 </p:sld>
 </file>
 
@@ -11762,10 +11224,10 @@
   <p:timing>
     <p:tnLst>
       <p:par>
-        <p:cTn id="59" dur="indefinite" restart="never" nodeType="tmRoot">
+        <p:cTn id="7" dur="indefinite" restart="never" nodeType="tmRoot">
           <p:childTnLst>
             <p:seq>
-              <p:cTn id="60" nodeType="mainSeq"/>
+              <p:cTn id="8" nodeType="mainSeq"/>
               <p:prevCondLst>
                 <p:cond delay="0" evt="onPrev">
                   <p:tgtEl>
@@ -11841,7 +11303,7 @@
                 </a:uFill>
                 <a:latin typeface="Arial"/>
               </a:rPr>
-              <a:t>Goals and benefits</a:t>
+              <a:t>Build process</a:t>
             </a:r>
             <a:endParaRPr b="0" lang="en-CA" sz="3990" spc="-1" strike="noStrike">
               <a:solidFill>
@@ -11857,268 +11319,38 @@
           </a:p>
         </p:txBody>
       </p:sp>
-      <p:sp>
-        <p:nvSpPr>
-          <p:cNvPr id="149" name="TextShape 2"/>
-          <p:cNvSpPr txBox="1"/>
+      <p:pic>
+        <p:nvPicPr>
+          <p:cNvPr id="149" name="" descr=""/>
+          <p:cNvPicPr/>
           <p:nvPr/>
-        </p:nvSpPr>
-        <p:spPr>
-          <a:xfrm>
-            <a:off x="457200" y="1800000"/>
-            <a:ext cx="8229240" cy="4680000"/>
-          </a:xfrm>
-          <a:prstGeom prst="rect">
-            <a:avLst/>
-          </a:prstGeom>
-          <a:noFill/>
+        </p:nvPicPr>
+        <p:blipFill>
+          <a:blip r:embed="rId1"/>
+          <a:stretch/>
+        </p:blipFill>
+        <p:spPr>
+          <a:xfrm>
+            <a:off x="192600" y="1919880"/>
+            <a:ext cx="8758800" cy="3678120"/>
+          </a:xfrm>
+          <a:prstGeom prst="rect">
+            <a:avLst/>
+          </a:prstGeom>
           <a:ln>
             <a:noFill/>
           </a:ln>
         </p:spPr>
-        <p:txBody>
-          <a:bodyPr lIns="0" rIns="0" tIns="0" bIns="0">
-            <a:normAutofit/>
-          </a:bodyPr>
-          <a:p>
-            <a:pPr marL="432000" indent="-324000">
-              <a:spcBef>
-                <a:spcPts val="1284"/>
-              </a:spcBef>
-              <a:buClr>
-                <a:srgbClr val="000000"/>
-              </a:buClr>
-              <a:buSzPct val="45000"/>
-              <a:buFont typeface="Wingdings" charset="2"/>
-              <a:buChar char=""/>
-            </a:pPr>
-            <a:r>
-              <a:rPr b="0" lang="en-CA" sz="2900" spc="-1" strike="noStrike">
-                <a:solidFill>
-                  <a:srgbClr val="000000"/>
-                </a:solidFill>
-                <a:uFill>
-                  <a:solidFill>
-                    <a:srgbClr val="ffffff"/>
-                  </a:solidFill>
-                </a:uFill>
-                <a:latin typeface="Arial"/>
-              </a:rPr>
-              <a:t>Site works from any web server.</a:t>
-            </a:r>
-            <a:endParaRPr b="0" lang="en-CA" sz="2900" spc="-1" strike="noStrike">
-              <a:solidFill>
-                <a:srgbClr val="000000"/>
-              </a:solidFill>
-              <a:uFill>
-                <a:solidFill>
-                  <a:srgbClr val="ffffff"/>
-                </a:solidFill>
-              </a:uFill>
-              <a:latin typeface="Arial"/>
-            </a:endParaRPr>
-          </a:p>
-          <a:p>
-            <a:pPr marL="432000" indent="-324000">
-              <a:spcBef>
-                <a:spcPts val="1284"/>
-              </a:spcBef>
-              <a:buClr>
-                <a:srgbClr val="000000"/>
-              </a:buClr>
-              <a:buSzPct val="45000"/>
-              <a:buFont typeface="Wingdings" charset="2"/>
-              <a:buChar char=""/>
-            </a:pPr>
-            <a:r>
-              <a:rPr b="0" lang="en-CA" sz="2900" spc="-1" strike="noStrike">
-                <a:solidFill>
-                  <a:srgbClr val="000000"/>
-                </a:solidFill>
-                <a:uFill>
-                  <a:solidFill>
-                    <a:srgbClr val="ffffff"/>
-                  </a:solidFill>
-                </a:uFill>
-                <a:latin typeface="Arial"/>
-              </a:rPr>
-              <a:t>Site works off your hard drive.</a:t>
-            </a:r>
-            <a:endParaRPr b="0" lang="en-CA" sz="2900" spc="-1" strike="noStrike">
-              <a:solidFill>
-                <a:srgbClr val="000000"/>
-              </a:solidFill>
-              <a:uFill>
-                <a:solidFill>
-                  <a:srgbClr val="ffffff"/>
-                </a:solidFill>
-              </a:uFill>
-              <a:latin typeface="Arial"/>
-            </a:endParaRPr>
-          </a:p>
-          <a:p>
-            <a:pPr marL="432000" indent="-324000">
-              <a:spcBef>
-                <a:spcPts val="1284"/>
-              </a:spcBef>
-              <a:buClr>
-                <a:srgbClr val="000000"/>
-              </a:buClr>
-              <a:buSzPct val="45000"/>
-              <a:buFont typeface="Wingdings" charset="2"/>
-              <a:buChar char=""/>
-            </a:pPr>
-            <a:r>
-              <a:rPr b="0" lang="en-CA" sz="2900" spc="-1" strike="noStrike">
-                <a:solidFill>
-                  <a:srgbClr val="000000"/>
-                </a:solidFill>
-                <a:uFill>
-                  <a:solidFill>
-                    <a:srgbClr val="ffffff"/>
-                  </a:solidFill>
-                </a:uFill>
-                <a:latin typeface="Arial"/>
-              </a:rPr>
-              <a:t>Site works off a USB drive.</a:t>
-            </a:r>
-            <a:endParaRPr b="0" lang="en-CA" sz="2900" spc="-1" strike="noStrike">
-              <a:solidFill>
-                <a:srgbClr val="000000"/>
-              </a:solidFill>
-              <a:uFill>
-                <a:solidFill>
-                  <a:srgbClr val="ffffff"/>
-                </a:solidFill>
-              </a:uFill>
-              <a:latin typeface="Arial"/>
-            </a:endParaRPr>
-          </a:p>
-          <a:p>
-            <a:pPr marL="432000" indent="-324000">
-              <a:spcBef>
-                <a:spcPts val="1284"/>
-              </a:spcBef>
-              <a:buClr>
-                <a:srgbClr val="000000"/>
-              </a:buClr>
-              <a:buSzPct val="45000"/>
-              <a:buFont typeface="Wingdings" charset="2"/>
-              <a:buChar char=""/>
-            </a:pPr>
-            <a:r>
-              <a:rPr b="0" lang="en-CA" sz="2900" spc="-1" strike="noStrike">
-                <a:solidFill>
-                  <a:srgbClr val="000000"/>
-                </a:solidFill>
-                <a:uFill>
-                  <a:solidFill>
-                    <a:srgbClr val="ffffff"/>
-                  </a:solidFill>
-                </a:uFill>
-                <a:latin typeface="Arial"/>
-              </a:rPr>
-              <a:t>Site can be copied from anywhere to anywhere.</a:t>
-            </a:r>
-            <a:endParaRPr b="0" lang="en-CA" sz="2900" spc="-1" strike="noStrike">
-              <a:solidFill>
-                <a:srgbClr val="000000"/>
-              </a:solidFill>
-              <a:uFill>
-                <a:solidFill>
-                  <a:srgbClr val="ffffff"/>
-                </a:solidFill>
-              </a:uFill>
-              <a:latin typeface="Arial"/>
-            </a:endParaRPr>
-          </a:p>
-          <a:p>
-            <a:pPr marL="432000" indent="-324000">
-              <a:spcBef>
-                <a:spcPts val="1284"/>
-              </a:spcBef>
-              <a:buClr>
-                <a:srgbClr val="000000"/>
-              </a:buClr>
-              <a:buSzPct val="45000"/>
-              <a:buFont typeface="Wingdings" charset="2"/>
-              <a:buChar char=""/>
-            </a:pPr>
-            <a:r>
-              <a:rPr b="0" lang="en-CA" sz="2900" spc="-1" strike="noStrike">
-                <a:solidFill>
-                  <a:srgbClr val="000000"/>
-                </a:solidFill>
-                <a:uFill>
-                  <a:solidFill>
-                    <a:srgbClr val="ffffff"/>
-                  </a:solidFill>
-                </a:uFill>
-                <a:latin typeface="Arial"/>
-              </a:rPr>
-              <a:t>No JavaScript support? Site still works.</a:t>
-            </a:r>
-            <a:endParaRPr b="0" lang="en-CA" sz="2900" spc="-1" strike="noStrike">
-              <a:solidFill>
-                <a:srgbClr val="000000"/>
-              </a:solidFill>
-              <a:uFill>
-                <a:solidFill>
-                  <a:srgbClr val="ffffff"/>
-                </a:solidFill>
-              </a:uFill>
-              <a:latin typeface="Arial"/>
-            </a:endParaRPr>
-          </a:p>
-          <a:p>
-            <a:pPr marL="432000" indent="-324000">
-              <a:spcBef>
-                <a:spcPts val="1284"/>
-              </a:spcBef>
-              <a:buClr>
-                <a:srgbClr val="000000"/>
-              </a:buClr>
-              <a:buSzPct val="45000"/>
-              <a:buFont typeface="Wingdings" charset="2"/>
-              <a:buChar char=""/>
-            </a:pPr>
-            <a:r>
-              <a:rPr b="0" lang="en-CA" sz="2900" spc="-1" strike="noStrike">
-                <a:solidFill>
-                  <a:srgbClr val="000000"/>
-                </a:solidFill>
-                <a:uFill>
-                  <a:solidFill>
-                    <a:srgbClr val="ffffff"/>
-                  </a:solidFill>
-                </a:uFill>
-                <a:latin typeface="Arial"/>
-              </a:rPr>
-              <a:t>No CSS? Site still works.</a:t>
-            </a:r>
-            <a:endParaRPr b="0" lang="en-CA" sz="2900" spc="-1" strike="noStrike">
-              <a:solidFill>
-                <a:srgbClr val="000000"/>
-              </a:solidFill>
-              <a:uFill>
-                <a:solidFill>
-                  <a:srgbClr val="ffffff"/>
-                </a:solidFill>
-              </a:uFill>
-              <a:latin typeface="Arial"/>
-            </a:endParaRPr>
-          </a:p>
-        </p:txBody>
-      </p:sp>
+      </p:pic>
     </p:spTree>
   </p:cSld>
   <p:timing>
     <p:tnLst>
       <p:par>
-        <p:cTn id="61" dur="indefinite" restart="never" nodeType="tmRoot">
+        <p:cTn id="9" dur="indefinite" restart="never" nodeType="tmRoot">
           <p:childTnLst>
             <p:seq>
-              <p:cTn id="62" nodeType="mainSeq"/>
+              <p:cTn id="10" nodeType="mainSeq"/>
               <p:prevCondLst>
                 <p:cond delay="0" evt="onPrev">
                   <p:tgtEl>
@@ -12234,107 +11466,6 @@
             <a:normAutofit/>
           </a:bodyPr>
           <a:p>
-            <a:pPr marL="432000" indent="-324000">
-              <a:spcBef>
-                <a:spcPts val="1284"/>
-              </a:spcBef>
-              <a:buClr>
-                <a:srgbClr val="000000"/>
-              </a:buClr>
-              <a:buSzPct val="45000"/>
-              <a:buFont typeface="Wingdings" charset="2"/>
-              <a:buChar char=""/>
-            </a:pPr>
-            <a:r>
-              <a:rPr b="0" lang="en-CA" sz="2900" spc="-1" strike="noStrike">
-                <a:solidFill>
-                  <a:srgbClr val="000000"/>
-                </a:solidFill>
-                <a:uFill>
-                  <a:solidFill>
-                    <a:srgbClr val="ffffff"/>
-                  </a:solidFill>
-                </a:uFill>
-                <a:latin typeface="Arial"/>
-              </a:rPr>
-              <a:t>No apocalypse</a:t>
-            </a:r>
-            <a:endParaRPr b="0" lang="en-CA" sz="2900" spc="-1" strike="noStrike">
-              <a:solidFill>
-                <a:srgbClr val="000000"/>
-              </a:solidFill>
-              <a:uFill>
-                <a:solidFill>
-                  <a:srgbClr val="ffffff"/>
-                </a:solidFill>
-              </a:uFill>
-              <a:latin typeface="Arial"/>
-            </a:endParaRPr>
-          </a:p>
-          <a:p>
-            <a:pPr marL="432000" indent="-324000">
-              <a:spcBef>
-                <a:spcPts val="1284"/>
-              </a:spcBef>
-              <a:buClr>
-                <a:srgbClr val="000000"/>
-              </a:buClr>
-              <a:buSzPct val="45000"/>
-              <a:buFont typeface="Wingdings" charset="2"/>
-              <a:buChar char=""/>
-            </a:pPr>
-            <a:r>
-              <a:rPr b="0" lang="en-CA" sz="2900" spc="-1" strike="noStrike">
-                <a:solidFill>
-                  <a:srgbClr val="000000"/>
-                </a:solidFill>
-                <a:uFill>
-                  <a:solidFill>
-                    <a:srgbClr val="ffffff"/>
-                  </a:solidFill>
-                </a:uFill>
-                <a:latin typeface="Arial"/>
-              </a:rPr>
-              <a:t>Archives exist to store and deliver them</a:t>
-            </a:r>
-            <a:endParaRPr b="0" lang="en-CA" sz="2900" spc="-1" strike="noStrike">
-              <a:solidFill>
-                <a:srgbClr val="000000"/>
-              </a:solidFill>
-              <a:uFill>
-                <a:solidFill>
-                  <a:srgbClr val="ffffff"/>
-                </a:solidFill>
-              </a:uFill>
-              <a:latin typeface="Arial"/>
-            </a:endParaRPr>
-          </a:p>
-          <a:p>
-            <a:pPr marL="432000" indent="-324000">
-              <a:spcBef>
-                <a:spcPts val="1284"/>
-              </a:spcBef>
-              <a:buClr>
-                <a:srgbClr val="000000"/>
-              </a:buClr>
-              <a:buSzPct val="45000"/>
-              <a:buFont typeface="Wingdings" charset="2"/>
-              <a:buChar char=""/>
-            </a:pPr>
-            <a:r>
-              <a:rPr b="0" lang="en-CA" sz="2900" spc="-1" strike="noStrike">
-                <a:solidFill>
-                  <a:srgbClr val="000000"/>
-                </a:solidFill>
-                <a:uFill>
-                  <a:solidFill>
-                    <a:srgbClr val="ffffff"/>
-                  </a:solidFill>
-                </a:uFill>
-                <a:latin typeface="Arial"/>
-              </a:rPr>
-              <a:t>Change, innovation and obsolescence proceed at least as fast as in the last few years</a:t>
-            </a:r>
             <a:endParaRPr b="0" lang="en-CA" sz="2900" spc="-1" strike="noStrike">
               <a:solidFill>
                 <a:srgbClr val="000000"/>
@@ -12354,43 +11485,36 @@
   <p:timing>
     <p:tnLst>
       <p:par>
-        <p:cTn id="5" dur="indefinite" restart="never" nodeType="tmRoot">
+        <p:cTn id="1" dur="indefinite" restart="never" nodeType="tmRoot">
           <p:childTnLst>
             <p:seq>
-              <p:cTn id="6" nodeType="mainSeq">
+              <p:cTn id="2" nodeType="mainSeq">
                 <p:childTnLst>
                   <p:par>
-                    <p:cTn id="7" fill="freeze">
+                    <p:cTn id="3" fill="freeze">
                       <p:stCondLst>
                         <p:cond delay="indefinite"/>
                       </p:stCondLst>
                       <p:childTnLst>
                         <p:par>
-                          <p:cTn id="8" fill="freeze">
+                          <p:cTn id="4" fill="freeze">
                             <p:stCondLst>
                               <p:cond delay="0"/>
                             </p:stCondLst>
                             <p:childTnLst>
                               <p:par>
-                                <p:cTn id="9" nodeType="clickEffect" fill="hold" presetClass="entr" presetID="1">
+                                <p:cTn id="5" nodeType="clickEffect" fill="hold" presetClass="entr" presetID="1">
                                   <p:stCondLst>
                                     <p:cond delay="0"/>
                                   </p:stCondLst>
                                   <p:childTnLst>
                                     <p:set>
                                       <p:cBhvr>
-                                        <p:cTn id="10" dur="1" fill="hold">
+                                        <p:cTn id="6" dur="1" fill="hold">
                                           <p:stCondLst>
                                             <p:cond delay="0"/>
                                           </p:stCondLst>
                                         </p:cTn>
-                                        <p:tgtEl>
-                                          <p:spTgt spid="88">
-                                            <p:txEl>
-                                              <p:pRg st="0" end="14"/>
-                                            </p:txEl>
-                                          </p:spTgt>
-                                        </p:tgtEl>
                                         <p:attrNameLst>
                                           <p:attrName>style.visibility</p:attrName>
                                         </p:attrNameLst>
@@ -12525,31 +11649,6 @@
             <a:normAutofit/>
           </a:bodyPr>
           <a:p>
-            <a:pPr marL="432000" indent="-324000">
-              <a:spcBef>
-                <a:spcPts val="1284"/>
-              </a:spcBef>
-              <a:buClr>
-                <a:srgbClr val="000000"/>
-              </a:buClr>
-              <a:buSzPct val="45000"/>
-              <a:buFont typeface="Wingdings" charset="2"/>
-              <a:buChar char=""/>
-            </a:pPr>
-            <a:r>
-              <a:rPr b="0" lang="en-CA" sz="2900" spc="-1" strike="noStrike">
-                <a:solidFill>
-                  <a:srgbClr val="000000"/>
-                </a:solidFill>
-                <a:uFill>
-                  <a:solidFill>
-                    <a:srgbClr val="ffffff"/>
-                  </a:solidFill>
-                </a:uFill>
-                <a:latin typeface="Arial"/>
-              </a:rPr>
-              <a:t>Site works from any web server.</a:t>
-            </a:r>
             <a:endParaRPr b="0" lang="en-CA" sz="2900" spc="-1" strike="noStrike">
               <a:solidFill>
                 <a:srgbClr val="000000"/>
@@ -12569,10 +11668,10 @@
   <p:timing>
     <p:tnLst>
       <p:par>
-        <p:cTn id="63" dur="indefinite" restart="never" nodeType="tmRoot">
+        <p:cTn id="11" dur="indefinite" restart="never" nodeType="tmRoot">
           <p:childTnLst>
             <p:seq>
-              <p:cTn id="64" nodeType="mainSeq"/>
+              <p:cTn id="12" nodeType="mainSeq"/>
               <p:prevCondLst>
                 <p:cond delay="0" evt="onPrev">
                   <p:tgtEl>
@@ -12725,44 +11824,6 @@
               <a:latin typeface="Arial"/>
             </a:endParaRPr>
           </a:p>
-          <a:p>
-            <a:pPr marL="432000" indent="-324000">
-              <a:spcBef>
-                <a:spcPts val="1284"/>
-              </a:spcBef>
-              <a:buClr>
-                <a:srgbClr val="000000"/>
-              </a:buClr>
-              <a:buSzPct val="45000"/>
-              <a:buFont typeface="Wingdings" charset="2"/>
-              <a:buChar char=""/>
-            </a:pPr>
-            <a:r>
-              <a:rPr b="0" lang="en-CA" sz="2900" spc="-1" strike="noStrike">
-                <a:solidFill>
-                  <a:srgbClr val="000000"/>
-                </a:solidFill>
-                <a:uFill>
-                  <a:solidFill>
-                    <a:srgbClr val="ffffff"/>
-                  </a:solidFill>
-                </a:uFill>
-                <a:latin typeface="Arial"/>
-              </a:rPr>
-              <a:t>Site works off your hard drive.</a:t>
-            </a:r>
-            <a:endParaRPr b="0" lang="en-CA" sz="2900" spc="-1" strike="noStrike">
-              <a:solidFill>
-                <a:srgbClr val="000000"/>
-              </a:solidFill>
-              <a:uFill>
-                <a:solidFill>
-                  <a:srgbClr val="ffffff"/>
-                </a:solidFill>
-              </a:uFill>
-              <a:latin typeface="Arial"/>
-            </a:endParaRPr>
-          </a:p>
         </p:txBody>
       </p:sp>
     </p:spTree>
@@ -12770,10 +11831,10 @@
   <p:timing>
     <p:tnLst>
       <p:par>
-        <p:cTn id="65" dur="indefinite" restart="never" nodeType="tmRoot">
+        <p:cTn id="13" dur="indefinite" restart="never" nodeType="tmRoot">
           <p:childTnLst>
             <p:seq>
-              <p:cTn id="66" nodeType="mainSeq"/>
+              <p:cTn id="14" nodeType="mainSeq"/>
               <p:prevCondLst>
                 <p:cond delay="0" evt="onPrev">
                   <p:tgtEl>
@@ -12964,44 +12025,6 @@
               <a:latin typeface="Arial"/>
             </a:endParaRPr>
           </a:p>
-          <a:p>
-            <a:pPr marL="432000" indent="-324000">
-              <a:spcBef>
-                <a:spcPts val="1284"/>
-              </a:spcBef>
-              <a:buClr>
-                <a:srgbClr val="000000"/>
-              </a:buClr>
-              <a:buSzPct val="45000"/>
-              <a:buFont typeface="Wingdings" charset="2"/>
-              <a:buChar char=""/>
-            </a:pPr>
-            <a:r>
-              <a:rPr b="0" lang="en-CA" sz="2900" spc="-1" strike="noStrike">
-                <a:solidFill>
-                  <a:srgbClr val="000000"/>
-                </a:solidFill>
-                <a:uFill>
-                  <a:solidFill>
-                    <a:srgbClr val="ffffff"/>
-                  </a:solidFill>
-                </a:uFill>
-                <a:latin typeface="Arial"/>
-              </a:rPr>
-              <a:t>Site works off a USB drive.</a:t>
-            </a:r>
-            <a:endParaRPr b="0" lang="en-CA" sz="2900" spc="-1" strike="noStrike">
-              <a:solidFill>
-                <a:srgbClr val="000000"/>
-              </a:solidFill>
-              <a:uFill>
-                <a:solidFill>
-                  <a:srgbClr val="ffffff"/>
-                </a:solidFill>
-              </a:uFill>
-              <a:latin typeface="Arial"/>
-            </a:endParaRPr>
-          </a:p>
         </p:txBody>
       </p:sp>
     </p:spTree>
@@ -13009,10 +12032,10 @@
   <p:timing>
     <p:tnLst>
       <p:par>
-        <p:cTn id="67" dur="indefinite" restart="never" nodeType="tmRoot">
+        <p:cTn id="15" dur="indefinite" restart="never" nodeType="tmRoot">
           <p:childTnLst>
             <p:seq>
-              <p:cTn id="68" nodeType="mainSeq"/>
+              <p:cTn id="16" nodeType="mainSeq"/>
               <p:prevCondLst>
                 <p:cond delay="0" evt="onPrev">
                   <p:tgtEl>
@@ -13241,44 +12264,6 @@
               <a:latin typeface="Arial"/>
             </a:endParaRPr>
           </a:p>
-          <a:p>
-            <a:pPr marL="432000" indent="-324000">
-              <a:spcBef>
-                <a:spcPts val="1284"/>
-              </a:spcBef>
-              <a:buClr>
-                <a:srgbClr val="000000"/>
-              </a:buClr>
-              <a:buSzPct val="45000"/>
-              <a:buFont typeface="Wingdings" charset="2"/>
-              <a:buChar char=""/>
-            </a:pPr>
-            <a:r>
-              <a:rPr b="0" lang="en-CA" sz="2900" spc="-1" strike="noStrike">
-                <a:solidFill>
-                  <a:srgbClr val="000000"/>
-                </a:solidFill>
-                <a:uFill>
-                  <a:solidFill>
-                    <a:srgbClr val="ffffff"/>
-                  </a:solidFill>
-                </a:uFill>
-                <a:latin typeface="Arial"/>
-              </a:rPr>
-              <a:t>Site can be copied from anywhere to anywhere.</a:t>
-            </a:r>
-            <a:endParaRPr b="0" lang="en-CA" sz="2900" spc="-1" strike="noStrike">
-              <a:solidFill>
-                <a:srgbClr val="000000"/>
-              </a:solidFill>
-              <a:uFill>
-                <a:solidFill>
-                  <a:srgbClr val="ffffff"/>
-                </a:solidFill>
-              </a:uFill>
-              <a:latin typeface="Arial"/>
-            </a:endParaRPr>
-          </a:p>
         </p:txBody>
       </p:sp>
     </p:spTree>
@@ -13286,10 +12271,10 @@
   <p:timing>
     <p:tnLst>
       <p:par>
-        <p:cTn id="69" dur="indefinite" restart="never" nodeType="tmRoot">
+        <p:cTn id="17" dur="indefinite" restart="never" nodeType="tmRoot">
           <p:childTnLst>
             <p:seq>
-              <p:cTn id="70" nodeType="mainSeq"/>
+              <p:cTn id="18" nodeType="mainSeq"/>
               <p:prevCondLst>
                 <p:cond delay="0" evt="onPrev">
                   <p:tgtEl>
@@ -13556,44 +12541,6 @@
               <a:latin typeface="Arial"/>
             </a:endParaRPr>
           </a:p>
-          <a:p>
-            <a:pPr marL="432000" indent="-324000">
-              <a:spcBef>
-                <a:spcPts val="1284"/>
-              </a:spcBef>
-              <a:buClr>
-                <a:srgbClr val="000000"/>
-              </a:buClr>
-              <a:buSzPct val="45000"/>
-              <a:buFont typeface="Wingdings" charset="2"/>
-              <a:buChar char=""/>
-            </a:pPr>
-            <a:r>
-              <a:rPr b="0" lang="en-CA" sz="2900" spc="-1" strike="noStrike">
-                <a:solidFill>
-                  <a:srgbClr val="000000"/>
-                </a:solidFill>
-                <a:uFill>
-                  <a:solidFill>
-                    <a:srgbClr val="ffffff"/>
-                  </a:solidFill>
-                </a:uFill>
-                <a:latin typeface="Arial"/>
-              </a:rPr>
-              <a:t>No JavaScript support? Site still works.</a:t>
-            </a:r>
-            <a:endParaRPr b="0" lang="en-CA" sz="2900" spc="-1" strike="noStrike">
-              <a:solidFill>
-                <a:srgbClr val="000000"/>
-              </a:solidFill>
-              <a:uFill>
-                <a:solidFill>
-                  <a:srgbClr val="ffffff"/>
-                </a:solidFill>
-              </a:uFill>
-              <a:latin typeface="Arial"/>
-            </a:endParaRPr>
-          </a:p>
         </p:txBody>
       </p:sp>
     </p:spTree>
@@ -13601,10 +12548,10 @@
   <p:timing>
     <p:tnLst>
       <p:par>
-        <p:cTn id="71" dur="indefinite" restart="never" nodeType="tmRoot">
+        <p:cTn id="19" dur="indefinite" restart="never" nodeType="tmRoot">
           <p:childTnLst>
             <p:seq>
-              <p:cTn id="72" nodeType="mainSeq"/>
+              <p:cTn id="20" nodeType="mainSeq"/>
               <p:prevCondLst>
                 <p:cond delay="0" evt="onPrev">
                   <p:tgtEl>
@@ -13909,44 +12856,6 @@
               <a:latin typeface="Arial"/>
             </a:endParaRPr>
           </a:p>
-          <a:p>
-            <a:pPr marL="432000" indent="-324000">
-              <a:spcBef>
-                <a:spcPts val="1284"/>
-              </a:spcBef>
-              <a:buClr>
-                <a:srgbClr val="000000"/>
-              </a:buClr>
-              <a:buSzPct val="45000"/>
-              <a:buFont typeface="Wingdings" charset="2"/>
-              <a:buChar char=""/>
-            </a:pPr>
-            <a:r>
-              <a:rPr b="0" lang="en-CA" sz="2900" spc="-1" strike="noStrike">
-                <a:solidFill>
-                  <a:srgbClr val="000000"/>
-                </a:solidFill>
-                <a:uFill>
-                  <a:solidFill>
-                    <a:srgbClr val="ffffff"/>
-                  </a:solidFill>
-                </a:uFill>
-                <a:latin typeface="Arial"/>
-              </a:rPr>
-              <a:t>No CSS? Site still works.</a:t>
-            </a:r>
-            <a:endParaRPr b="0" lang="en-CA" sz="2900" spc="-1" strike="noStrike">
-              <a:solidFill>
-                <a:srgbClr val="000000"/>
-              </a:solidFill>
-              <a:uFill>
-                <a:solidFill>
-                  <a:srgbClr val="ffffff"/>
-                </a:solidFill>
-              </a:uFill>
-              <a:latin typeface="Arial"/>
-            </a:endParaRPr>
-          </a:p>
         </p:txBody>
       </p:sp>
     </p:spTree>
@@ -13954,10 +12863,10 @@
   <p:timing>
     <p:tnLst>
       <p:par>
-        <p:cTn id="73" dur="indefinite" restart="never" nodeType="tmRoot">
+        <p:cTn id="21" dur="indefinite" restart="never" nodeType="tmRoot">
           <p:childTnLst>
             <p:seq>
-              <p:cTn id="74" nodeType="mainSeq"/>
+              <p:cTn id="22" nodeType="mainSeq"/>
               <p:prevCondLst>
                 <p:cond delay="0" evt="onPrev">
                   <p:tgtEl>
@@ -14033,7 +12942,7 @@
                 </a:uFill>
                 <a:latin typeface="Arial"/>
               </a:rPr>
-              <a:t>Further requirement</a:t>
+              <a:t>Goals and benefits</a:t>
             </a:r>
             <a:endParaRPr b="0" lang="en-CA" sz="3990" spc="-1" strike="noStrike">
               <a:solidFill>
@@ -14096,26 +13005,70 @@
                 </a:uFill>
                 <a:latin typeface="Arial"/>
               </a:rPr>
-              <a:t>Every significant entity in the site has its own page at a unique URL. Not this:</a:t>
-            </a:r>
-            <a:br/>
-            <a:br/>
+              <a:t>Site works from any web server.</a:t>
+            </a:r>
+            <a:endParaRPr b="0" lang="en-CA" sz="2900" spc="-1" strike="noStrike">
+              <a:solidFill>
+                <a:srgbClr val="000000"/>
+              </a:solidFill>
+              <a:uFill>
+                <a:solidFill>
+                  <a:srgbClr val="ffffff"/>
+                </a:solidFill>
+              </a:uFill>
+              <a:latin typeface="Arial"/>
+            </a:endParaRPr>
+          </a:p>
+          <a:p>
+            <a:pPr marL="432000" indent="-324000">
+              <a:spcBef>
+                <a:spcPts val="1284"/>
+              </a:spcBef>
+              <a:buClr>
+                <a:srgbClr val="000000"/>
+              </a:buClr>
+              <a:buSzPct val="45000"/>
+              <a:buFont typeface="Wingdings" charset="2"/>
+              <a:buChar char=""/>
+            </a:pPr>
             <a:r>
               <a:rPr b="0" lang="en-CA" sz="2900" spc="-1" strike="noStrike">
                 <a:solidFill>
-                  <a:srgbClr val="d22b2b"/>
-                </a:solidFill>
-                <a:uFill>
-                  <a:solidFill>
-                    <a:srgbClr val="ffffff"/>
-                  </a:solidFill>
-                </a:uFill>
-                <a:latin typeface="Arial"/>
-              </a:rPr>
-              <a:t>http://graves.uvic.ca/graves/site/xbrowse.xq?collection=%2Fdb%2Fgraves&amp;type=diaryentry&amp;query_stored=false&amp;action=browse&amp;search_text=-1&amp;day=22&amp;month=02&amp;year=1935</a:t>
-            </a:r>
-            <a:br/>
-            <a:br/>
+                  <a:srgbClr val="000000"/>
+                </a:solidFill>
+                <a:uFill>
+                  <a:solidFill>
+                    <a:srgbClr val="ffffff"/>
+                  </a:solidFill>
+                </a:uFill>
+                <a:latin typeface="Arial"/>
+              </a:rPr>
+              <a:t>Site works off your hard drive.</a:t>
+            </a:r>
+            <a:endParaRPr b="0" lang="en-CA" sz="2900" spc="-1" strike="noStrike">
+              <a:solidFill>
+                <a:srgbClr val="000000"/>
+              </a:solidFill>
+              <a:uFill>
+                <a:solidFill>
+                  <a:srgbClr val="ffffff"/>
+                </a:solidFill>
+              </a:uFill>
+              <a:latin typeface="Arial"/>
+            </a:endParaRPr>
+          </a:p>
+          <a:p>
+            <a:pPr marL="432000" indent="-324000">
+              <a:spcBef>
+                <a:spcPts val="1284"/>
+              </a:spcBef>
+              <a:buClr>
+                <a:srgbClr val="000000"/>
+              </a:buClr>
+              <a:buSzPct val="45000"/>
+              <a:buFont typeface="Wingdings" charset="2"/>
+              <a:buChar char=""/>
+            </a:pPr>
             <a:r>
               <a:rPr b="0" lang="en-CA" sz="2900" spc="-1" strike="noStrike">
                 <a:solidFill>
@@ -14128,25 +13081,70 @@
                 </a:uFill>
                 <a:latin typeface="Arial"/>
               </a:rPr>
-              <a:t>but this:</a:t>
-            </a:r>
-            <a:br/>
-            <a:br/>
+              <a:t>Site works off a USB drive.</a:t>
+            </a:r>
+            <a:endParaRPr b="0" lang="en-CA" sz="2900" spc="-1" strike="noStrike">
+              <a:solidFill>
+                <a:srgbClr val="000000"/>
+              </a:solidFill>
+              <a:uFill>
+                <a:solidFill>
+                  <a:srgbClr val="ffffff"/>
+                </a:solidFill>
+              </a:uFill>
+              <a:latin typeface="Arial"/>
+            </a:endParaRPr>
+          </a:p>
+          <a:p>
+            <a:pPr marL="432000" indent="-324000">
+              <a:spcBef>
+                <a:spcPts val="1284"/>
+              </a:spcBef>
+              <a:buClr>
+                <a:srgbClr val="000000"/>
+              </a:buClr>
+              <a:buSzPct val="45000"/>
+              <a:buFont typeface="Wingdings" charset="2"/>
+              <a:buChar char=""/>
+            </a:pPr>
             <a:r>
               <a:rPr b="0" lang="en-CA" sz="2900" spc="-1" strike="noStrike">
                 <a:solidFill>
-                  <a:srgbClr val="00803f"/>
-                </a:solidFill>
-                <a:uFill>
-                  <a:solidFill>
-                    <a:srgbClr val="ffffff"/>
-                  </a:solidFill>
-                </a:uFill>
-                <a:latin typeface="Arial"/>
-              </a:rPr>
-              <a:t>http://graves.uvic.ca/diary_1935-02-22.html</a:t>
-            </a:r>
-            <a:br/>
+                  <a:srgbClr val="000000"/>
+                </a:solidFill>
+                <a:uFill>
+                  <a:solidFill>
+                    <a:srgbClr val="ffffff"/>
+                  </a:solidFill>
+                </a:uFill>
+                <a:latin typeface="Arial"/>
+              </a:rPr>
+              <a:t>Site can be copied from anywhere to anywhere.</a:t>
+            </a:r>
+            <a:endParaRPr b="0" lang="en-CA" sz="2900" spc="-1" strike="noStrike">
+              <a:solidFill>
+                <a:srgbClr val="000000"/>
+              </a:solidFill>
+              <a:uFill>
+                <a:solidFill>
+                  <a:srgbClr val="ffffff"/>
+                </a:solidFill>
+              </a:uFill>
+              <a:latin typeface="Arial"/>
+            </a:endParaRPr>
+          </a:p>
+          <a:p>
+            <a:pPr marL="432000" indent="-324000">
+              <a:spcBef>
+                <a:spcPts val="1284"/>
+              </a:spcBef>
+              <a:buClr>
+                <a:srgbClr val="000000"/>
+              </a:buClr>
+              <a:buSzPct val="45000"/>
+              <a:buFont typeface="Wingdings" charset="2"/>
+              <a:buChar char=""/>
+            </a:pPr>
             <a:r>
               <a:rPr b="0" lang="en-CA" sz="2900" spc="-1" strike="noStrike">
                 <a:solidFill>
@@ -14159,7 +13157,45 @@
                 </a:uFill>
                 <a:latin typeface="Arial"/>
               </a:rPr>
-              <a:t> </a:t>
+              <a:t>No JavaScript support? Site still works.</a:t>
+            </a:r>
+            <a:endParaRPr b="0" lang="en-CA" sz="2900" spc="-1" strike="noStrike">
+              <a:solidFill>
+                <a:srgbClr val="000000"/>
+              </a:solidFill>
+              <a:uFill>
+                <a:solidFill>
+                  <a:srgbClr val="ffffff"/>
+                </a:solidFill>
+              </a:uFill>
+              <a:latin typeface="Arial"/>
+            </a:endParaRPr>
+          </a:p>
+          <a:p>
+            <a:pPr marL="432000" indent="-324000">
+              <a:spcBef>
+                <a:spcPts val="1284"/>
+              </a:spcBef>
+              <a:buClr>
+                <a:srgbClr val="000000"/>
+              </a:buClr>
+              <a:buSzPct val="45000"/>
+              <a:buFont typeface="Wingdings" charset="2"/>
+              <a:buChar char=""/>
+            </a:pPr>
+            <a:r>
+              <a:rPr b="0" lang="en-CA" sz="2900" spc="-1" strike="noStrike">
+                <a:solidFill>
+                  <a:srgbClr val="000000"/>
+                </a:solidFill>
+                <a:uFill>
+                  <a:solidFill>
+                    <a:srgbClr val="ffffff"/>
+                  </a:solidFill>
+                </a:uFill>
+                <a:latin typeface="Arial"/>
+              </a:rPr>
+              <a:t>No CSS? Site still works.</a:t>
             </a:r>
             <a:endParaRPr b="0" lang="en-CA" sz="2900" spc="-1" strike="noStrike">
               <a:solidFill>
@@ -14180,10 +13216,10 @@
   <p:timing>
     <p:tnLst>
       <p:par>
-        <p:cTn id="75" dur="indefinite" restart="never" nodeType="tmRoot">
+        <p:cTn id="23" dur="indefinite" restart="never" nodeType="tmRoot">
           <p:childTnLst>
             <p:seq>
-              <p:cTn id="76" nodeType="mainSeq"/>
+              <p:cTn id="24" nodeType="mainSeq"/>
               <p:prevCondLst>
                 <p:cond delay="0" evt="onPrev">
                   <p:tgtEl>
@@ -14259,7 +13295,7 @@
                 </a:uFill>
                 <a:latin typeface="Arial"/>
               </a:rPr>
-              <a:t>Implications</a:t>
+              <a:t>Further requirement</a:t>
             </a:r>
             <a:endParaRPr b="0" lang="en-CA" sz="3990" spc="-1" strike="noStrike">
               <a:solidFill>
@@ -14322,60 +13358,26 @@
                 </a:uFill>
                 <a:latin typeface="Arial"/>
               </a:rPr>
-              <a:t>You must build </a:t>
-            </a:r>
-            <a:r>
-              <a:rPr b="0" i="1" lang="en-CA" sz="2900" spc="-1" strike="noStrike">
-                <a:solidFill>
-                  <a:srgbClr val="000000"/>
-                </a:solidFill>
-                <a:uFill>
-                  <a:solidFill>
-                    <a:srgbClr val="ffffff"/>
-                  </a:solidFill>
-                </a:uFill>
-                <a:latin typeface="Arial"/>
-              </a:rPr>
-              <a:t>every single page</a:t>
-            </a:r>
+              <a:t>Every significant entity in the site has its own page at a unique URL. Not this:</a:t>
+            </a:r>
+            <a:br/>
+            <a:br/>
             <a:r>
               <a:rPr b="0" lang="en-CA" sz="2900" spc="-1" strike="noStrike">
                 <a:solidFill>
-                  <a:srgbClr val="000000"/>
-                </a:solidFill>
-                <a:uFill>
-                  <a:solidFill>
-                    <a:srgbClr val="ffffff"/>
-                  </a:solidFill>
-                </a:uFill>
-                <a:latin typeface="Arial"/>
-              </a:rPr>
-              <a:t> your site will ever need.</a:t>
-            </a:r>
-            <a:endParaRPr b="0" lang="en-CA" sz="2900" spc="-1" strike="noStrike">
-              <a:solidFill>
-                <a:srgbClr val="000000"/>
-              </a:solidFill>
-              <a:uFill>
-                <a:solidFill>
-                  <a:srgbClr val="ffffff"/>
-                </a:solidFill>
-              </a:uFill>
-              <a:latin typeface="Arial"/>
-            </a:endParaRPr>
-          </a:p>
-          <a:p>
-            <a:pPr marL="432000" indent="-324000">
-              <a:spcBef>
-                <a:spcPts val="1284"/>
-              </a:spcBef>
-              <a:buClr>
-                <a:srgbClr val="000000"/>
-              </a:buClr>
-              <a:buSzPct val="45000"/>
-              <a:buFont typeface="Wingdings" charset="2"/>
-              <a:buChar char=""/>
-            </a:pPr>
+                  <a:srgbClr val="d22b2b"/>
+                </a:solidFill>
+                <a:uFill>
+                  <a:solidFill>
+                    <a:srgbClr val="ffffff"/>
+                  </a:solidFill>
+                </a:uFill>
+                <a:latin typeface="Arial"/>
+              </a:rPr>
+              <a:t>http://graves.uvic.ca/graves/site/xbrowse.xq?collection=%2Fdb%2Fgraves&amp;type=diaryentry&amp;query_stored=false&amp;action=browse&amp;search_text=-1&amp;day=22&amp;month=02&amp;year=1935</a:t>
+            </a:r>
+            <a:br/>
+            <a:br/>
             <a:r>
               <a:rPr b="0" lang="en-CA" sz="2900" spc="-1" strike="noStrike">
                 <a:solidFill>
@@ -14388,60 +13390,25 @@
                 </a:uFill>
                 <a:latin typeface="Arial"/>
               </a:rPr>
-              <a:t>That’s a lot of pages (7663 for the </a:t>
-            </a:r>
-            <a:r>
-              <a:rPr b="0" i="1" lang="en-CA" sz="2900" spc="-1" strike="noStrike">
-                <a:solidFill>
-                  <a:srgbClr val="000000"/>
-                </a:solidFill>
-                <a:uFill>
-                  <a:solidFill>
-                    <a:srgbClr val="ffffff"/>
-                  </a:solidFill>
-                </a:uFill>
-                <a:latin typeface="Arial"/>
-              </a:rPr>
-              <a:t>Map of Early Modern London</a:t>
-            </a:r>
+              <a:t>but this:</a:t>
+            </a:r>
+            <a:br/>
+            <a:br/>
             <a:r>
               <a:rPr b="0" lang="en-CA" sz="2900" spc="-1" strike="noStrike">
                 <a:solidFill>
-                  <a:srgbClr val="000000"/>
-                </a:solidFill>
-                <a:uFill>
-                  <a:solidFill>
-                    <a:srgbClr val="ffffff"/>
-                  </a:solidFill>
-                </a:uFill>
-                <a:latin typeface="Arial"/>
-              </a:rPr>
-              <a:t>).</a:t>
-            </a:r>
-            <a:endParaRPr b="0" lang="en-CA" sz="2900" spc="-1" strike="noStrike">
-              <a:solidFill>
-                <a:srgbClr val="000000"/>
-              </a:solidFill>
-              <a:uFill>
-                <a:solidFill>
-                  <a:srgbClr val="ffffff"/>
-                </a:solidFill>
-              </a:uFill>
-              <a:latin typeface="Arial"/>
-            </a:endParaRPr>
-          </a:p>
-          <a:p>
-            <a:pPr marL="432000" indent="-324000">
-              <a:spcBef>
-                <a:spcPts val="1284"/>
-              </a:spcBef>
-              <a:buClr>
-                <a:srgbClr val="000000"/>
-              </a:buClr>
-              <a:buSzPct val="45000"/>
-              <a:buFont typeface="Wingdings" charset="2"/>
-              <a:buChar char=""/>
-            </a:pPr>
+                  <a:srgbClr val="00803f"/>
+                </a:solidFill>
+                <a:uFill>
+                  <a:solidFill>
+                    <a:srgbClr val="ffffff"/>
+                  </a:solidFill>
+                </a:uFill>
+                <a:latin typeface="Arial"/>
+              </a:rPr>
+              <a:t>http://graves.uvic.ca/diary_1935-02-22.html</a:t>
+            </a:r>
+            <a:br/>
             <a:r>
               <a:rPr b="0" lang="en-CA" sz="2900" spc="-1" strike="noStrike">
                 <a:solidFill>
@@ -14454,73 +13421,7 @@
                 </a:uFill>
                 <a:latin typeface="Arial"/>
               </a:rPr>
-              <a:t>Every page must include </a:t>
-            </a:r>
-            <a:r>
-              <a:rPr b="0" i="1" lang="en-CA" sz="2900" spc="-1" strike="noStrike">
-                <a:solidFill>
-                  <a:srgbClr val="000000"/>
-                </a:solidFill>
-                <a:uFill>
-                  <a:solidFill>
-                    <a:srgbClr val="ffffff"/>
-                  </a:solidFill>
-                </a:uFill>
-                <a:latin typeface="Arial"/>
-              </a:rPr>
-              <a:t>all the information</a:t>
-            </a:r>
-            <a:r>
-              <a:rPr b="0" lang="en-CA" sz="2900" spc="-1" strike="noStrike">
-                <a:solidFill>
-                  <a:srgbClr val="000000"/>
-                </a:solidFill>
-                <a:uFill>
-                  <a:solidFill>
-                    <a:srgbClr val="ffffff"/>
-                  </a:solidFill>
-                </a:uFill>
-                <a:latin typeface="Arial"/>
-              </a:rPr>
-              <a:t> it needs to function, so lots of duplication.</a:t>
-            </a:r>
-            <a:endParaRPr b="0" lang="en-CA" sz="2900" spc="-1" strike="noStrike">
-              <a:solidFill>
-                <a:srgbClr val="000000"/>
-              </a:solidFill>
-              <a:uFill>
-                <a:solidFill>
-                  <a:srgbClr val="ffffff"/>
-                </a:solidFill>
-              </a:uFill>
-              <a:latin typeface="Arial"/>
-            </a:endParaRPr>
-          </a:p>
-          <a:p>
-            <a:pPr marL="432000" indent="-324000">
-              <a:spcBef>
-                <a:spcPts val="1284"/>
-              </a:spcBef>
-              <a:buClr>
-                <a:srgbClr val="000000"/>
-              </a:buClr>
-              <a:buSzPct val="45000"/>
-              <a:buFont typeface="Wingdings" charset="2"/>
-              <a:buChar char=""/>
-            </a:pPr>
-            <a:r>
-              <a:rPr b="0" lang="en-CA" sz="2900" spc="-1" strike="noStrike">
-                <a:solidFill>
-                  <a:srgbClr val="000000"/>
-                </a:solidFill>
-                <a:uFill>
-                  <a:solidFill>
-                    <a:srgbClr val="ffffff"/>
-                  </a:solidFill>
-                </a:uFill>
-                <a:latin typeface="Arial"/>
-              </a:rPr>
-              <a:t>So what? Big deal. It’s text.</a:t>
+              <a:t> </a:t>
             </a:r>
             <a:endParaRPr b="0" lang="en-CA" sz="2900" spc="-1" strike="noStrike">
               <a:solidFill>
@@ -14541,10 +13442,10 @@
   <p:timing>
     <p:tnLst>
       <p:par>
-        <p:cTn id="77" dur="indefinite" restart="never" nodeType="tmRoot">
+        <p:cTn id="25" dur="indefinite" restart="never" nodeType="tmRoot">
           <p:childTnLst>
             <p:seq>
-              <p:cTn id="78" nodeType="mainSeq"/>
+              <p:cTn id="26" nodeType="mainSeq"/>
               <p:prevCondLst>
                 <p:cond delay="0" evt="onPrev">
                   <p:tgtEl>
@@ -14660,59 +13561,6 @@
             <a:normAutofit/>
           </a:bodyPr>
           <a:p>
-            <a:pPr marL="432000" indent="-324000">
-              <a:spcBef>
-                <a:spcPts val="1284"/>
-              </a:spcBef>
-              <a:buClr>
-                <a:srgbClr val="000000"/>
-              </a:buClr>
-              <a:buSzPct val="45000"/>
-              <a:buFont typeface="Wingdings" charset="2"/>
-              <a:buChar char=""/>
-            </a:pPr>
-            <a:r>
-              <a:rPr b="0" lang="en-CA" sz="2900" spc="-1" strike="noStrike">
-                <a:solidFill>
-                  <a:srgbClr val="000000"/>
-                </a:solidFill>
-                <a:uFill>
-                  <a:solidFill>
-                    <a:srgbClr val="ffffff"/>
-                  </a:solidFill>
-                </a:uFill>
-                <a:latin typeface="Arial"/>
-              </a:rPr>
-              <a:t>You must build </a:t>
-            </a:r>
-            <a:r>
-              <a:rPr b="0" i="1" lang="en-CA" sz="2900" spc="-1" strike="noStrike">
-                <a:solidFill>
-                  <a:srgbClr val="000000"/>
-                </a:solidFill>
-                <a:uFill>
-                  <a:solidFill>
-                    <a:srgbClr val="ffffff"/>
-                  </a:solidFill>
-                </a:uFill>
-                <a:latin typeface="Arial"/>
-              </a:rPr>
-              <a:t>every single page</a:t>
-            </a:r>
-            <a:r>
-              <a:rPr b="0" lang="en-CA" sz="2900" spc="-1" strike="noStrike">
-                <a:solidFill>
-                  <a:srgbClr val="000000"/>
-                </a:solidFill>
-                <a:uFill>
-                  <a:solidFill>
-                    <a:srgbClr val="ffffff"/>
-                  </a:solidFill>
-                </a:uFill>
-                <a:latin typeface="Arial"/>
-              </a:rPr>
-              <a:t> your site will ever need.</a:t>
-            </a:r>
             <a:endParaRPr b="0" lang="en-CA" sz="2900" spc="-1" strike="noStrike">
               <a:solidFill>
                 <a:srgbClr val="000000"/>
@@ -14732,10 +13580,10 @@
   <p:timing>
     <p:tnLst>
       <p:par>
-        <p:cTn id="79" dur="indefinite" restart="never" nodeType="tmRoot">
+        <p:cTn id="27" dur="indefinite" restart="never" nodeType="tmRoot">
           <p:childTnLst>
             <p:seq>
-              <p:cTn id="80" nodeType="mainSeq"/>
+              <p:cTn id="28" nodeType="mainSeq"/>
               <p:prevCondLst>
                 <p:cond delay="0" evt="onPrev">
                   <p:tgtEl>
@@ -14916,72 +13764,6 @@
               <a:latin typeface="Arial"/>
             </a:endParaRPr>
           </a:p>
-          <a:p>
-            <a:pPr marL="432000" indent="-324000">
-              <a:spcBef>
-                <a:spcPts val="1284"/>
-              </a:spcBef>
-              <a:buClr>
-                <a:srgbClr val="000000"/>
-              </a:buClr>
-              <a:buSzPct val="45000"/>
-              <a:buFont typeface="Wingdings" charset="2"/>
-              <a:buChar char=""/>
-            </a:pPr>
-            <a:r>
-              <a:rPr b="0" lang="en-CA" sz="2900" spc="-1" strike="noStrike">
-                <a:solidFill>
-                  <a:srgbClr val="000000"/>
-                </a:solidFill>
-                <a:uFill>
-                  <a:solidFill>
-                    <a:srgbClr val="ffffff"/>
-                  </a:solidFill>
-                </a:uFill>
-                <a:latin typeface="Arial"/>
-              </a:rPr>
-              <a:t>That’s a lot of pages (7663 for the </a:t>
-            </a:r>
-            <a:r>
-              <a:rPr b="0" i="1" lang="en-CA" sz="2900" spc="-1" strike="noStrike">
-                <a:solidFill>
-                  <a:srgbClr val="000000"/>
-                </a:solidFill>
-                <a:uFill>
-                  <a:solidFill>
-                    <a:srgbClr val="ffffff"/>
-                  </a:solidFill>
-                </a:uFill>
-                <a:latin typeface="Arial"/>
-              </a:rPr>
-              <a:t>Map of Early Modern London</a:t>
-            </a:r>
-            <a:r>
-              <a:rPr b="0" lang="en-CA" sz="2900" spc="-1" strike="noStrike">
-                <a:solidFill>
-                  <a:srgbClr val="000000"/>
-                </a:solidFill>
-                <a:uFill>
-                  <a:solidFill>
-                    <a:srgbClr val="ffffff"/>
-                  </a:solidFill>
-                </a:uFill>
-                <a:latin typeface="Arial"/>
-              </a:rPr>
-              <a:t>).</a:t>
-            </a:r>
-            <a:endParaRPr b="0" lang="en-CA" sz="2900" spc="-1" strike="noStrike">
-              <a:solidFill>
-                <a:srgbClr val="000000"/>
-              </a:solidFill>
-              <a:uFill>
-                <a:solidFill>
-                  <a:srgbClr val="ffffff"/>
-                </a:solidFill>
-              </a:uFill>
-              <a:latin typeface="Arial"/>
-            </a:endParaRPr>
-          </a:p>
         </p:txBody>
       </p:sp>
     </p:spTree>
@@ -14989,10 +13771,10 @@
   <p:timing>
     <p:tnLst>
       <p:par>
-        <p:cTn id="81" dur="indefinite" restart="never" nodeType="tmRoot">
+        <p:cTn id="29" dur="indefinite" restart="never" nodeType="tmRoot">
           <p:childTnLst>
             <p:seq>
-              <p:cTn id="82" nodeType="mainSeq"/>
+              <p:cTn id="30" nodeType="mainSeq"/>
               <p:prevCondLst>
                 <p:cond delay="0" evt="onPrev">
                   <p:tgtEl>
@@ -15149,33 +13931,6 @@
       </p:sp>
     </p:spTree>
   </p:cSld>
-  <p:timing>
-    <p:tnLst>
-      <p:par>
-        <p:cTn id="11" dur="indefinite" restart="never" nodeType="tmRoot">
-          <p:childTnLst>
-            <p:seq>
-              <p:cTn id="12" nodeType="mainSeq"/>
-              <p:prevCondLst>
-                <p:cond delay="0" evt="onPrev">
-                  <p:tgtEl>
-                    <p:sldTgt/>
-                  </p:tgtEl>
-                </p:cond>
-              </p:prevCondLst>
-              <p:nextCondLst>
-                <p:cond delay="0" evt="onNext">
-                  <p:tgtEl>
-                    <p:sldTgt/>
-                  </p:tgtEl>
-                </p:cond>
-              </p:nextCondLst>
-            </p:seq>
-          </p:childTnLst>
-        </p:cTn>
-      </p:par>
-    </p:tnLst>
-  </p:timing>
 </p:sld>
 </file>
 
@@ -15402,72 +14157,6 @@
               <a:latin typeface="Arial"/>
             </a:endParaRPr>
           </a:p>
-          <a:p>
-            <a:pPr marL="432000" indent="-324000">
-              <a:spcBef>
-                <a:spcPts val="1284"/>
-              </a:spcBef>
-              <a:buClr>
-                <a:srgbClr val="000000"/>
-              </a:buClr>
-              <a:buSzPct val="45000"/>
-              <a:buFont typeface="Wingdings" charset="2"/>
-              <a:buChar char=""/>
-            </a:pPr>
-            <a:r>
-              <a:rPr b="0" lang="en-CA" sz="2900" spc="-1" strike="noStrike">
-                <a:solidFill>
-                  <a:srgbClr val="000000"/>
-                </a:solidFill>
-                <a:uFill>
-                  <a:solidFill>
-                    <a:srgbClr val="ffffff"/>
-                  </a:solidFill>
-                </a:uFill>
-                <a:latin typeface="Arial"/>
-              </a:rPr>
-              <a:t>Every page must include </a:t>
-            </a:r>
-            <a:r>
-              <a:rPr b="0" i="1" lang="en-CA" sz="2900" spc="-1" strike="noStrike">
-                <a:solidFill>
-                  <a:srgbClr val="000000"/>
-                </a:solidFill>
-                <a:uFill>
-                  <a:solidFill>
-                    <a:srgbClr val="ffffff"/>
-                  </a:solidFill>
-                </a:uFill>
-                <a:latin typeface="Arial"/>
-              </a:rPr>
-              <a:t>all the information</a:t>
-            </a:r>
-            <a:r>
-              <a:rPr b="0" lang="en-CA" sz="2900" spc="-1" strike="noStrike">
-                <a:solidFill>
-                  <a:srgbClr val="000000"/>
-                </a:solidFill>
-                <a:uFill>
-                  <a:solidFill>
-                    <a:srgbClr val="ffffff"/>
-                  </a:solidFill>
-                </a:uFill>
-                <a:latin typeface="Arial"/>
-              </a:rPr>
-              <a:t> it needs to function, so lots of duplication.</a:t>
-            </a:r>
-            <a:endParaRPr b="0" lang="en-CA" sz="2900" spc="-1" strike="noStrike">
-              <a:solidFill>
-                <a:srgbClr val="000000"/>
-              </a:solidFill>
-              <a:uFill>
-                <a:solidFill>
-                  <a:srgbClr val="ffffff"/>
-                </a:solidFill>
-              </a:uFill>
-              <a:latin typeface="Arial"/>
-            </a:endParaRPr>
-          </a:p>
         </p:txBody>
       </p:sp>
     </p:spTree>
@@ -15475,10 +14164,10 @@
   <p:timing>
     <p:tnLst>
       <p:par>
-        <p:cTn id="83" dur="indefinite" restart="never" nodeType="tmRoot">
+        <p:cTn id="31" dur="indefinite" restart="never" nodeType="tmRoot">
           <p:childTnLst>
             <p:seq>
-              <p:cTn id="84" nodeType="mainSeq"/>
+              <p:cTn id="32" nodeType="mainSeq"/>
               <p:prevCondLst>
                 <p:cond delay="0" evt="onPrev">
                   <p:tgtEl>
@@ -15791,44 +14480,6 @@
               <a:latin typeface="Arial"/>
             </a:endParaRPr>
           </a:p>
-          <a:p>
-            <a:pPr marL="432000" indent="-324000">
-              <a:spcBef>
-                <a:spcPts val="1284"/>
-              </a:spcBef>
-              <a:buClr>
-                <a:srgbClr val="000000"/>
-              </a:buClr>
-              <a:buSzPct val="45000"/>
-              <a:buFont typeface="Wingdings" charset="2"/>
-              <a:buChar char=""/>
-            </a:pPr>
-            <a:r>
-              <a:rPr b="0" lang="en-CA" sz="2900" spc="-1" strike="noStrike">
-                <a:solidFill>
-                  <a:srgbClr val="000000"/>
-                </a:solidFill>
-                <a:uFill>
-                  <a:solidFill>
-                    <a:srgbClr val="ffffff"/>
-                  </a:solidFill>
-                </a:uFill>
-                <a:latin typeface="Arial"/>
-              </a:rPr>
-              <a:t>So what? Big deal. It’s text.</a:t>
-            </a:r>
-            <a:endParaRPr b="0" lang="en-CA" sz="2900" spc="-1" strike="noStrike">
-              <a:solidFill>
-                <a:srgbClr val="000000"/>
-              </a:solidFill>
-              <a:uFill>
-                <a:solidFill>
-                  <a:srgbClr val="ffffff"/>
-                </a:solidFill>
-              </a:uFill>
-              <a:latin typeface="Arial"/>
-            </a:endParaRPr>
-          </a:p>
         </p:txBody>
       </p:sp>
     </p:spTree>
@@ -15836,10 +14487,10 @@
   <p:timing>
     <p:tnLst>
       <p:par>
-        <p:cTn id="85" dur="indefinite" restart="never" nodeType="tmRoot">
+        <p:cTn id="33" dur="indefinite" restart="never" nodeType="tmRoot">
           <p:childTnLst>
             <p:seq>
-              <p:cTn id="86" nodeType="mainSeq"/>
+              <p:cTn id="34" nodeType="mainSeq"/>
               <p:prevCondLst>
                 <p:cond delay="0" evt="onPrev">
                   <p:tgtEl>
@@ -15915,7 +14566,7 @@
                 </a:uFill>
                 <a:latin typeface="Arial"/>
               </a:rPr>
-              <a:t>Old model</a:t>
+              <a:t>Implications</a:t>
             </a:r>
             <a:endParaRPr b="0" lang="en-CA" sz="3990" spc="-1" strike="noStrike">
               <a:solidFill>
@@ -15931,38 +14582,276 @@
           </a:p>
         </p:txBody>
       </p:sp>
-      <p:pic>
-        <p:nvPicPr>
-          <p:cNvPr id="175" name="" descr=""/>
-          <p:cNvPicPr/>
+      <p:sp>
+        <p:nvSpPr>
+          <p:cNvPr id="175" name="TextShape 2"/>
+          <p:cNvSpPr txBox="1"/>
           <p:nvPr/>
-        </p:nvPicPr>
-        <p:blipFill>
-          <a:blip r:embed="rId1"/>
-          <a:stretch/>
-        </p:blipFill>
-        <p:spPr>
-          <a:xfrm>
-            <a:off x="1082160" y="1381680"/>
-            <a:ext cx="6980040" cy="5350320"/>
-          </a:xfrm>
-          <a:prstGeom prst="rect">
-            <a:avLst/>
-          </a:prstGeom>
+        </p:nvSpPr>
+        <p:spPr>
+          <a:xfrm>
+            <a:off x="457200" y="1800000"/>
+            <a:ext cx="8229240" cy="4680000"/>
+          </a:xfrm>
+          <a:prstGeom prst="rect">
+            <a:avLst/>
+          </a:prstGeom>
+          <a:noFill/>
           <a:ln>
             <a:noFill/>
           </a:ln>
         </p:spPr>
-      </p:pic>
+        <p:txBody>
+          <a:bodyPr lIns="0" rIns="0" tIns="0" bIns="0">
+            <a:normAutofit/>
+          </a:bodyPr>
+          <a:p>
+            <a:pPr marL="432000" indent="-324000">
+              <a:spcBef>
+                <a:spcPts val="1284"/>
+              </a:spcBef>
+              <a:buClr>
+                <a:srgbClr val="000000"/>
+              </a:buClr>
+              <a:buSzPct val="45000"/>
+              <a:buFont typeface="Wingdings" charset="2"/>
+              <a:buChar char=""/>
+            </a:pPr>
+            <a:r>
+              <a:rPr b="0" lang="en-CA" sz="2900" spc="-1" strike="noStrike">
+                <a:solidFill>
+                  <a:srgbClr val="000000"/>
+                </a:solidFill>
+                <a:uFill>
+                  <a:solidFill>
+                    <a:srgbClr val="ffffff"/>
+                  </a:solidFill>
+                </a:uFill>
+                <a:latin typeface="Arial"/>
+              </a:rPr>
+              <a:t>You must build </a:t>
+            </a:r>
+            <a:r>
+              <a:rPr b="0" i="1" lang="en-CA" sz="2900" spc="-1" strike="noStrike">
+                <a:solidFill>
+                  <a:srgbClr val="000000"/>
+                </a:solidFill>
+                <a:uFill>
+                  <a:solidFill>
+                    <a:srgbClr val="ffffff"/>
+                  </a:solidFill>
+                </a:uFill>
+                <a:latin typeface="Arial"/>
+              </a:rPr>
+              <a:t>every single page</a:t>
+            </a:r>
+            <a:r>
+              <a:rPr b="0" lang="en-CA" sz="2900" spc="-1" strike="noStrike">
+                <a:solidFill>
+                  <a:srgbClr val="000000"/>
+                </a:solidFill>
+                <a:uFill>
+                  <a:solidFill>
+                    <a:srgbClr val="ffffff"/>
+                  </a:solidFill>
+                </a:uFill>
+                <a:latin typeface="Arial"/>
+              </a:rPr>
+              <a:t> your site will ever need.</a:t>
+            </a:r>
+            <a:endParaRPr b="0" lang="en-CA" sz="2900" spc="-1" strike="noStrike">
+              <a:solidFill>
+                <a:srgbClr val="000000"/>
+              </a:solidFill>
+              <a:uFill>
+                <a:solidFill>
+                  <a:srgbClr val="ffffff"/>
+                </a:solidFill>
+              </a:uFill>
+              <a:latin typeface="Arial"/>
+            </a:endParaRPr>
+          </a:p>
+          <a:p>
+            <a:pPr marL="432000" indent="-324000">
+              <a:spcBef>
+                <a:spcPts val="1284"/>
+              </a:spcBef>
+              <a:buClr>
+                <a:srgbClr val="000000"/>
+              </a:buClr>
+              <a:buSzPct val="45000"/>
+              <a:buFont typeface="Wingdings" charset="2"/>
+              <a:buChar char=""/>
+            </a:pPr>
+            <a:r>
+              <a:rPr b="0" lang="en-CA" sz="2900" spc="-1" strike="noStrike">
+                <a:solidFill>
+                  <a:srgbClr val="000000"/>
+                </a:solidFill>
+                <a:uFill>
+                  <a:solidFill>
+                    <a:srgbClr val="ffffff"/>
+                  </a:solidFill>
+                </a:uFill>
+                <a:latin typeface="Arial"/>
+              </a:rPr>
+              <a:t>That’s a lot of pages (7663 for the </a:t>
+            </a:r>
+            <a:r>
+              <a:rPr b="0" i="1" lang="en-CA" sz="2900" spc="-1" strike="noStrike">
+                <a:solidFill>
+                  <a:srgbClr val="000000"/>
+                </a:solidFill>
+                <a:uFill>
+                  <a:solidFill>
+                    <a:srgbClr val="ffffff"/>
+                  </a:solidFill>
+                </a:uFill>
+                <a:latin typeface="Arial"/>
+              </a:rPr>
+              <a:t>Map of Early Modern London</a:t>
+            </a:r>
+            <a:r>
+              <a:rPr b="0" lang="en-CA" sz="2900" spc="-1" strike="noStrike">
+                <a:solidFill>
+                  <a:srgbClr val="000000"/>
+                </a:solidFill>
+                <a:uFill>
+                  <a:solidFill>
+                    <a:srgbClr val="ffffff"/>
+                  </a:solidFill>
+                </a:uFill>
+                <a:latin typeface="Arial"/>
+              </a:rPr>
+              <a:t>).</a:t>
+            </a:r>
+            <a:endParaRPr b="0" lang="en-CA" sz="2900" spc="-1" strike="noStrike">
+              <a:solidFill>
+                <a:srgbClr val="000000"/>
+              </a:solidFill>
+              <a:uFill>
+                <a:solidFill>
+                  <a:srgbClr val="ffffff"/>
+                </a:solidFill>
+              </a:uFill>
+              <a:latin typeface="Arial"/>
+            </a:endParaRPr>
+          </a:p>
+          <a:p>
+            <a:pPr marL="432000" indent="-324000">
+              <a:spcBef>
+                <a:spcPts val="1284"/>
+              </a:spcBef>
+              <a:buClr>
+                <a:srgbClr val="000000"/>
+              </a:buClr>
+              <a:buSzPct val="45000"/>
+              <a:buFont typeface="Wingdings" charset="2"/>
+              <a:buChar char=""/>
+            </a:pPr>
+            <a:r>
+              <a:rPr b="0" lang="en-CA" sz="2900" spc="-1" strike="noStrike">
+                <a:solidFill>
+                  <a:srgbClr val="000000"/>
+                </a:solidFill>
+                <a:uFill>
+                  <a:solidFill>
+                    <a:srgbClr val="ffffff"/>
+                  </a:solidFill>
+                </a:uFill>
+                <a:latin typeface="Arial"/>
+              </a:rPr>
+              <a:t>Every page must include </a:t>
+            </a:r>
+            <a:r>
+              <a:rPr b="0" i="1" lang="en-CA" sz="2900" spc="-1" strike="noStrike">
+                <a:solidFill>
+                  <a:srgbClr val="000000"/>
+                </a:solidFill>
+                <a:uFill>
+                  <a:solidFill>
+                    <a:srgbClr val="ffffff"/>
+                  </a:solidFill>
+                </a:uFill>
+                <a:latin typeface="Arial"/>
+              </a:rPr>
+              <a:t>all the information</a:t>
+            </a:r>
+            <a:r>
+              <a:rPr b="0" lang="en-CA" sz="2900" spc="-1" strike="noStrike">
+                <a:solidFill>
+                  <a:srgbClr val="000000"/>
+                </a:solidFill>
+                <a:uFill>
+                  <a:solidFill>
+                    <a:srgbClr val="ffffff"/>
+                  </a:solidFill>
+                </a:uFill>
+                <a:latin typeface="Arial"/>
+              </a:rPr>
+              <a:t> it needs to function, so lots of duplication.</a:t>
+            </a:r>
+            <a:endParaRPr b="0" lang="en-CA" sz="2900" spc="-1" strike="noStrike">
+              <a:solidFill>
+                <a:srgbClr val="000000"/>
+              </a:solidFill>
+              <a:uFill>
+                <a:solidFill>
+                  <a:srgbClr val="ffffff"/>
+                </a:solidFill>
+              </a:uFill>
+              <a:latin typeface="Arial"/>
+            </a:endParaRPr>
+          </a:p>
+          <a:p>
+            <a:pPr marL="432000" indent="-324000">
+              <a:spcBef>
+                <a:spcPts val="1284"/>
+              </a:spcBef>
+              <a:buClr>
+                <a:srgbClr val="000000"/>
+              </a:buClr>
+              <a:buSzPct val="45000"/>
+              <a:buFont typeface="Wingdings" charset="2"/>
+              <a:buChar char=""/>
+            </a:pPr>
+            <a:r>
+              <a:rPr b="0" lang="en-CA" sz="2900" spc="-1" strike="noStrike">
+                <a:solidFill>
+                  <a:srgbClr val="000000"/>
+                </a:solidFill>
+                <a:uFill>
+                  <a:solidFill>
+                    <a:srgbClr val="ffffff"/>
+                  </a:solidFill>
+                </a:uFill>
+                <a:latin typeface="Arial"/>
+              </a:rPr>
+              <a:t>So what? Big deal. It’s text.</a:t>
+            </a:r>
+            <a:endParaRPr b="0" lang="en-CA" sz="2900" spc="-1" strike="noStrike">
+              <a:solidFill>
+                <a:srgbClr val="000000"/>
+              </a:solidFill>
+              <a:uFill>
+                <a:solidFill>
+                  <a:srgbClr val="ffffff"/>
+                </a:solidFill>
+              </a:uFill>
+              <a:latin typeface="Arial"/>
+            </a:endParaRPr>
+          </a:p>
+        </p:txBody>
+      </p:sp>
     </p:spTree>
   </p:cSld>
   <p:timing>
     <p:tnLst>
       <p:par>
-        <p:cTn id="87" dur="indefinite" restart="never" nodeType="tmRoot">
+        <p:cTn id="35" dur="indefinite" restart="never" nodeType="tmRoot">
           <p:childTnLst>
             <p:seq>
-              <p:cTn id="88" nodeType="mainSeq"/>
+              <p:cTn id="36" nodeType="mainSeq"/>
               <p:prevCondLst>
                 <p:cond delay="0" evt="onPrev">
                   <p:tgtEl>
@@ -16038,7 +14927,7 @@
                 </a:uFill>
                 <a:latin typeface="Arial"/>
               </a:rPr>
-              <a:t>New model</a:t>
+              <a:t>Old model</a:t>
             </a:r>
             <a:endParaRPr b="0" lang="en-CA" sz="3990" spc="-1" strike="noStrike">
               <a:solidFill>
@@ -16066,8 +14955,8 @@
         </p:blipFill>
         <p:spPr>
           <a:xfrm>
-            <a:off x="2951280" y="1467720"/>
-            <a:ext cx="3241440" cy="4580280"/>
+            <a:off x="1082160" y="1381680"/>
+            <a:ext cx="6980040" cy="5350320"/>
           </a:xfrm>
           <a:prstGeom prst="rect">
             <a:avLst/>
@@ -16082,10 +14971,10 @@
   <p:timing>
     <p:tnLst>
       <p:par>
-        <p:cTn id="89" dur="indefinite" restart="never" nodeType="tmRoot">
+        <p:cTn id="37" dur="indefinite" restart="never" nodeType="tmRoot">
           <p:childTnLst>
             <p:seq>
-              <p:cTn id="90" nodeType="mainSeq"/>
+              <p:cTn id="38" nodeType="mainSeq"/>
               <p:prevCondLst>
                 <p:cond delay="0" evt="onPrev">
                   <p:tgtEl>
@@ -16161,7 +15050,7 @@
                 </a:uFill>
                 <a:latin typeface="Arial"/>
               </a:rPr>
-              <a:t>What we can’t do</a:t>
+              <a:t>New model</a:t>
             </a:r>
             <a:endParaRPr b="0" lang="en-CA" sz="3990" spc="-1" strike="noStrike">
               <a:solidFill>
@@ -16177,116 +15066,38 @@
           </a:p>
         </p:txBody>
       </p:sp>
-      <p:sp>
-        <p:nvSpPr>
-          <p:cNvPr id="179" name="TextShape 2"/>
-          <p:cNvSpPr txBox="1"/>
+      <p:pic>
+        <p:nvPicPr>
+          <p:cNvPr id="179" name="" descr=""/>
+          <p:cNvPicPr/>
           <p:nvPr/>
-        </p:nvSpPr>
-        <p:spPr>
-          <a:xfrm>
-            <a:off x="457200" y="1800000"/>
-            <a:ext cx="8229240" cy="4680000"/>
-          </a:xfrm>
-          <a:prstGeom prst="rect">
-            <a:avLst/>
-          </a:prstGeom>
-          <a:noFill/>
+        </p:nvPicPr>
+        <p:blipFill>
+          <a:blip r:embed="rId1"/>
+          <a:stretch/>
+        </p:blipFill>
+        <p:spPr>
+          <a:xfrm>
+            <a:off x="2951280" y="1467720"/>
+            <a:ext cx="3241440" cy="4580280"/>
+          </a:xfrm>
+          <a:prstGeom prst="rect">
+            <a:avLst/>
+          </a:prstGeom>
           <a:ln>
             <a:noFill/>
           </a:ln>
         </p:spPr>
-        <p:txBody>
-          <a:bodyPr lIns="0" rIns="0" tIns="0" bIns="0">
-            <a:normAutofit/>
-          </a:bodyPr>
-          <a:p>
-            <a:pPr marL="432000" indent="-324000">
-              <a:spcBef>
-                <a:spcPts val="1284"/>
-              </a:spcBef>
-              <a:buClr>
-                <a:srgbClr val="000000"/>
-              </a:buClr>
-              <a:buSzPct val="45000"/>
-              <a:buFont typeface="Wingdings" charset="2"/>
-              <a:buChar char=""/>
-            </a:pPr>
-            <a:r>
-              <a:rPr b="0" lang="en-CA" sz="2900" spc="-1" strike="noStrike">
-                <a:solidFill>
-                  <a:srgbClr val="000000"/>
-                </a:solidFill>
-                <a:uFill>
-                  <a:solidFill>
-                    <a:srgbClr val="ffffff"/>
-                  </a:solidFill>
-                </a:uFill>
-                <a:latin typeface="Arial"/>
-              </a:rPr>
-              <a:t>Site search</a:t>
-            </a:r>
-            <a:endParaRPr b="0" lang="en-CA" sz="2900" spc="-1" strike="noStrike">
-              <a:solidFill>
-                <a:srgbClr val="000000"/>
-              </a:solidFill>
-              <a:uFill>
-                <a:solidFill>
-                  <a:srgbClr val="ffffff"/>
-                </a:solidFill>
-              </a:uFill>
-              <a:latin typeface="Arial"/>
-            </a:endParaRPr>
-          </a:p>
-          <a:p>
-            <a:pPr marL="432000" indent="-324000">
-              <a:spcBef>
-                <a:spcPts val="1284"/>
-              </a:spcBef>
-              <a:buClr>
-                <a:srgbClr val="000000"/>
-              </a:buClr>
-              <a:buSzPct val="45000"/>
-              <a:buFont typeface="Wingdings" charset="2"/>
-              <a:buChar char=""/>
-            </a:pPr>
-            <a:r>
-              <a:rPr b="0" lang="en-CA" sz="2900" spc="-1" strike="noStrike">
-                <a:solidFill>
-                  <a:srgbClr val="000000"/>
-                </a:solidFill>
-                <a:uFill>
-                  <a:solidFill>
-                    <a:srgbClr val="ffffff"/>
-                  </a:solidFill>
-                </a:uFill>
-                <a:latin typeface="Arial"/>
-              </a:rPr>
-              <a:t>Combinatorially explosive query responses (search is a special case of this)</a:t>
-            </a:r>
-            <a:endParaRPr b="0" lang="en-CA" sz="2900" spc="-1" strike="noStrike">
-              <a:solidFill>
-                <a:srgbClr val="000000"/>
-              </a:solidFill>
-              <a:uFill>
-                <a:solidFill>
-                  <a:srgbClr val="ffffff"/>
-                </a:solidFill>
-              </a:uFill>
-              <a:latin typeface="Arial"/>
-            </a:endParaRPr>
-          </a:p>
-        </p:txBody>
-      </p:sp>
+      </p:pic>
     </p:spTree>
   </p:cSld>
   <p:timing>
     <p:tnLst>
       <p:par>
-        <p:cTn id="91" dur="indefinite" restart="never" nodeType="tmRoot">
+        <p:cTn id="39" dur="indefinite" restart="never" nodeType="tmRoot">
           <p:childTnLst>
             <p:seq>
-              <p:cTn id="92" nodeType="mainSeq"/>
+              <p:cTn id="40" nodeType="mainSeq"/>
               <p:prevCondLst>
                 <p:cond delay="0" evt="onPrev">
                   <p:tgtEl>
@@ -16327,9 +15138,261 @@
           <a:chExt cx="0" cy="0"/>
         </a:xfrm>
       </p:grpSpPr>
+      <p:sp>
+        <p:nvSpPr>
+          <p:cNvPr id="180" name="TextShape 1"/>
+          <p:cNvSpPr txBox="1"/>
+          <p:nvPr/>
+        </p:nvSpPr>
+        <p:spPr>
+          <a:xfrm>
+            <a:off x="457200" y="273240"/>
+            <a:ext cx="8229240" cy="1144800"/>
+          </a:xfrm>
+          <a:prstGeom prst="rect">
+            <a:avLst/>
+          </a:prstGeom>
+          <a:noFill/>
+          <a:ln>
+            <a:noFill/>
+          </a:ln>
+        </p:spPr>
+        <p:txBody>
+          <a:bodyPr lIns="0" rIns="0" tIns="0" bIns="0" anchor="ctr"/>
+          <a:p>
+            <a:pPr algn="ctr"/>
+            <a:r>
+              <a:rPr b="0" lang="en-CA" sz="3990" spc="-1" strike="noStrike">
+                <a:solidFill>
+                  <a:srgbClr val="3f3fbe"/>
+                </a:solidFill>
+                <a:uFill>
+                  <a:solidFill>
+                    <a:srgbClr val="ffffff"/>
+                  </a:solidFill>
+                </a:uFill>
+                <a:latin typeface="Arial"/>
+              </a:rPr>
+              <a:t>What we can’t do</a:t>
+            </a:r>
+            <a:endParaRPr b="0" lang="en-CA" sz="3990" spc="-1" strike="noStrike">
+              <a:solidFill>
+                <a:srgbClr val="3f3fbe"/>
+              </a:solidFill>
+              <a:uFill>
+                <a:solidFill>
+                  <a:srgbClr val="ffffff"/>
+                </a:solidFill>
+              </a:uFill>
+              <a:latin typeface="Arial"/>
+            </a:endParaRPr>
+          </a:p>
+        </p:txBody>
+      </p:sp>
+      <p:sp>
+        <p:nvSpPr>
+          <p:cNvPr id="181" name="TextShape 2"/>
+          <p:cNvSpPr txBox="1"/>
+          <p:nvPr/>
+        </p:nvSpPr>
+        <p:spPr>
+          <a:xfrm>
+            <a:off x="457200" y="1800000"/>
+            <a:ext cx="8229240" cy="4680000"/>
+          </a:xfrm>
+          <a:prstGeom prst="rect">
+            <a:avLst/>
+          </a:prstGeom>
+          <a:noFill/>
+          <a:ln>
+            <a:noFill/>
+          </a:ln>
+        </p:spPr>
+        <p:txBody>
+          <a:bodyPr lIns="0" rIns="0" tIns="0" bIns="0">
+            <a:normAutofit/>
+          </a:bodyPr>
+          <a:p>
+            <a:pPr marL="432000" indent="-324000">
+              <a:spcBef>
+                <a:spcPts val="1284"/>
+              </a:spcBef>
+              <a:buClr>
+                <a:srgbClr val="000000"/>
+              </a:buClr>
+              <a:buSzPct val="45000"/>
+              <a:buFont typeface="Wingdings" charset="2"/>
+              <a:buChar char=""/>
+            </a:pPr>
+            <a:r>
+              <a:rPr b="0" lang="en-CA" sz="2900" spc="-1" strike="noStrike">
+                <a:solidFill>
+                  <a:srgbClr val="000000"/>
+                </a:solidFill>
+                <a:uFill>
+                  <a:solidFill>
+                    <a:srgbClr val="ffffff"/>
+                  </a:solidFill>
+                </a:uFill>
+                <a:latin typeface="Arial"/>
+              </a:rPr>
+              <a:t>Site search</a:t>
+            </a:r>
+            <a:endParaRPr b="0" lang="en-CA" sz="2900" spc="-1" strike="noStrike">
+              <a:solidFill>
+                <a:srgbClr val="000000"/>
+              </a:solidFill>
+              <a:uFill>
+                <a:solidFill>
+                  <a:srgbClr val="ffffff"/>
+                </a:solidFill>
+              </a:uFill>
+              <a:latin typeface="Arial"/>
+            </a:endParaRPr>
+          </a:p>
+          <a:p>
+            <a:pPr marL="432000" indent="-324000">
+              <a:spcBef>
+                <a:spcPts val="1284"/>
+              </a:spcBef>
+              <a:buClr>
+                <a:srgbClr val="000000"/>
+              </a:buClr>
+              <a:buSzPct val="45000"/>
+              <a:buFont typeface="Wingdings" charset="2"/>
+              <a:buChar char=""/>
+            </a:pPr>
+            <a:r>
+              <a:rPr b="0" lang="en-CA" sz="2900" spc="-1" strike="noStrike">
+                <a:solidFill>
+                  <a:srgbClr val="000000"/>
+                </a:solidFill>
+                <a:uFill>
+                  <a:solidFill>
+                    <a:srgbClr val="ffffff"/>
+                  </a:solidFill>
+                </a:uFill>
+                <a:latin typeface="Arial"/>
+              </a:rPr>
+              <a:t>Combinatorially explosive query responses (search is a special case of this)</a:t>
+            </a:r>
+            <a:endParaRPr b="0" lang="en-CA" sz="2900" spc="-1" strike="noStrike">
+              <a:solidFill>
+                <a:srgbClr val="000000"/>
+              </a:solidFill>
+              <a:uFill>
+                <a:solidFill>
+                  <a:srgbClr val="ffffff"/>
+                </a:solidFill>
+              </a:uFill>
+              <a:latin typeface="Arial"/>
+            </a:endParaRPr>
+          </a:p>
+        </p:txBody>
+      </p:sp>
+    </p:spTree>
+  </p:cSld>
+  <p:timing>
+    <p:tnLst>
+      <p:par>
+        <p:cTn id="41" dur="indefinite" restart="never" nodeType="tmRoot">
+          <p:childTnLst>
+            <p:seq>
+              <p:cTn id="42" nodeType="mainSeq"/>
+              <p:prevCondLst>
+                <p:cond delay="0" evt="onPrev">
+                  <p:tgtEl>
+                    <p:sldTgt/>
+                  </p:tgtEl>
+                </p:cond>
+              </p:prevCondLst>
+              <p:nextCondLst>
+                <p:cond delay="0" evt="onNext">
+                  <p:tgtEl>
+                    <p:sldTgt/>
+                  </p:tgtEl>
+                </p:cond>
+              </p:nextCondLst>
+            </p:seq>
+          </p:childTnLst>
+        </p:cTn>
+      </p:par>
+    </p:tnLst>
+  </p:timing>
+</p:sld>
+</file>
+
+<file path=ppt/slides/slide46.xml><?xml version="1.0" encoding="utf-8"?>
+<p:sld xmlns:a="http://schemas.openxmlformats.org/drawingml/2006/main" xmlns:p="http://schemas.openxmlformats.org/presentationml/2006/main" xmlns:r="http://schemas.openxmlformats.org/officeDocument/2006/relationships" xmlns:p14="http://schemas.microsoft.com/office/powerpoint/2010/main" xmlns:p15="http://schemas.microsoft.com/office/powerpoint/2012/main" xmlns:mc="http://schemas.openxmlformats.org/markup-compatibility/2006">
+  <p:cSld>
+    <p:spTree>
+      <p:nvGrpSpPr>
+        <p:cNvPr id="1" name=""/>
+        <p:cNvGrpSpPr/>
+        <p:nvPr/>
+      </p:nvGrpSpPr>
+      <p:grpSpPr>
+        <a:xfrm>
+          <a:off x="0" y="0"/>
+          <a:ext cx="0" cy="0"/>
+          <a:chOff x="0" y="0"/>
+          <a:chExt cx="0" cy="0"/>
+        </a:xfrm>
+      </p:grpSpPr>
+      <p:sp>
+        <p:nvSpPr>
+          <p:cNvPr id="182" name="TextShape 1"/>
+          <p:cNvSpPr txBox="1"/>
+          <p:nvPr/>
+        </p:nvSpPr>
+        <p:spPr>
+          <a:xfrm>
+            <a:off x="457200" y="273240"/>
+            <a:ext cx="8229240" cy="1144800"/>
+          </a:xfrm>
+          <a:prstGeom prst="rect">
+            <a:avLst/>
+          </a:prstGeom>
+          <a:noFill/>
+          <a:ln>
+            <a:noFill/>
+          </a:ln>
+        </p:spPr>
+        <p:txBody>
+          <a:bodyPr lIns="0" rIns="0" tIns="0" bIns="0" anchor="ctr"/>
+          <a:p>
+            <a:pPr algn="ctr"/>
+            <a:r>
+              <a:rPr b="0" lang="en-CA" sz="3990" spc="-1" strike="noStrike">
+                <a:solidFill>
+                  <a:srgbClr val="3f3fbe"/>
+                </a:solidFill>
+                <a:uFill>
+                  <a:solidFill>
+                    <a:srgbClr val="ffffff"/>
+                  </a:solidFill>
+                </a:uFill>
+                <a:latin typeface="Arial"/>
+              </a:rPr>
+              <a:t>Back to eXist for search etc.</a:t>
+            </a:r>
+            <a:endParaRPr b="0" lang="en-CA" sz="3990" spc="-1" strike="noStrike">
+              <a:solidFill>
+                <a:srgbClr val="3f3fbe"/>
+              </a:solidFill>
+              <a:uFill>
+                <a:solidFill>
+                  <a:srgbClr val="ffffff"/>
+                </a:solidFill>
+              </a:uFill>
+              <a:latin typeface="Arial"/>
+            </a:endParaRPr>
+          </a:p>
+        </p:txBody>
+      </p:sp>
       <p:pic>
         <p:nvPicPr>
-          <p:cNvPr id="180" name="XHTML5 Logo.svg" descr=""/>
+          <p:cNvPr id="183" name="" descr=""/>
           <p:cNvPicPr/>
           <p:nvPr/>
         </p:nvPicPr>
@@ -16339,8 +15402,8 @@
         </p:blipFill>
         <p:spPr>
           <a:xfrm>
-            <a:off x="1062000" y="1990800"/>
-            <a:ext cx="2311200" cy="2311200"/>
+            <a:off x="263160" y="2171880"/>
+            <a:ext cx="8618040" cy="3619080"/>
           </a:xfrm>
           <a:prstGeom prst="rect">
             <a:avLst/>
@@ -16350,9 +15413,81 @@
           </a:ln>
         </p:spPr>
       </p:pic>
+    </p:spTree>
+  </p:cSld>
+  <p:timing>
+    <p:tnLst>
+      <p:par>
+        <p:cTn id="43" dur="indefinite" restart="never" nodeType="tmRoot">
+          <p:childTnLst>
+            <p:seq>
+              <p:cTn id="44" nodeType="mainSeq"/>
+              <p:prevCondLst>
+                <p:cond delay="0" evt="onPrev">
+                  <p:tgtEl>
+                    <p:sldTgt/>
+                  </p:tgtEl>
+                </p:cond>
+              </p:prevCondLst>
+              <p:nextCondLst>
+                <p:cond delay="0" evt="onNext">
+                  <p:tgtEl>
+                    <p:sldTgt/>
+                  </p:tgtEl>
+                </p:cond>
+              </p:nextCondLst>
+            </p:seq>
+          </p:childTnLst>
+        </p:cTn>
+      </p:par>
+    </p:tnLst>
+  </p:timing>
+</p:sld>
+</file>
+
+<file path=ppt/slides/slide47.xml><?xml version="1.0" encoding="utf-8"?>
+<p:sld xmlns:a="http://schemas.openxmlformats.org/drawingml/2006/main" xmlns:p="http://schemas.openxmlformats.org/presentationml/2006/main" xmlns:r="http://schemas.openxmlformats.org/officeDocument/2006/relationships" xmlns:p14="http://schemas.microsoft.com/office/powerpoint/2010/main" xmlns:p15="http://schemas.microsoft.com/office/powerpoint/2012/main" xmlns:mc="http://schemas.openxmlformats.org/markup-compatibility/2006">
+  <p:cSld>
+    <p:spTree>
+      <p:nvGrpSpPr>
+        <p:cNvPr id="1" name=""/>
+        <p:cNvGrpSpPr/>
+        <p:nvPr/>
+      </p:nvGrpSpPr>
+      <p:grpSpPr>
+        <a:xfrm>
+          <a:off x="0" y="0"/>
+          <a:ext cx="0" cy="0"/>
+          <a:chOff x="0" y="0"/>
+          <a:chExt cx="0" cy="0"/>
+        </a:xfrm>
+      </p:grpSpPr>
       <p:pic>
         <p:nvPicPr>
-          <p:cNvPr id="181" name="" descr=""/>
+          <p:cNvPr id="184" name="XHTML5 Logo.svg" descr=""/>
+          <p:cNvPicPr/>
+          <p:nvPr/>
+        </p:nvPicPr>
+        <p:blipFill>
+          <a:blip r:embed="rId1"/>
+          <a:stretch/>
+        </p:blipFill>
+        <p:spPr>
+          <a:xfrm>
+            <a:off x="1062000" y="1990800"/>
+            <a:ext cx="2311200" cy="2311200"/>
+          </a:xfrm>
+          <a:prstGeom prst="rect">
+            <a:avLst/>
+          </a:prstGeom>
+          <a:ln>
+            <a:noFill/>
+          </a:ln>
+        </p:spPr>
+      </p:pic>
+      <p:pic>
+        <p:nvPicPr>
+          <p:cNvPr id="185" name="" descr=""/>
           <p:cNvPicPr/>
           <p:nvPr/>
         </p:nvPicPr>
@@ -16375,7 +15510,7 @@
       </p:pic>
       <p:pic>
         <p:nvPicPr>
-          <p:cNvPr id="182" name="" descr=""/>
+          <p:cNvPr id="186" name="" descr=""/>
           <p:cNvPicPr/>
           <p:nvPr/>
         </p:nvPicPr>
@@ -16401,10 +15536,10 @@
   <p:timing>
     <p:tnLst>
       <p:par>
-        <p:cTn id="93" dur="indefinite" restart="never" nodeType="tmRoot">
+        <p:cTn id="45" dur="indefinite" restart="never" nodeType="tmRoot">
           <p:childTnLst>
             <p:seq>
-              <p:cTn id="94" nodeType="mainSeq"/>
+              <p:cTn id="46" nodeType="mainSeq"/>
               <p:prevCondLst>
                 <p:cond delay="0" evt="onPrev">
                   <p:tgtEl>
@@ -16599,33 +15734,6 @@
       </p:sp>
     </p:spTree>
   </p:cSld>
-  <p:timing>
-    <p:tnLst>
-      <p:par>
-        <p:cTn id="13" dur="indefinite" restart="never" nodeType="tmRoot">
-          <p:childTnLst>
-            <p:seq>
-              <p:cTn id="14" nodeType="mainSeq"/>
-              <p:prevCondLst>
-                <p:cond delay="0" evt="onPrev">
-                  <p:tgtEl>
-                    <p:sldTgt/>
-                  </p:tgtEl>
-                </p:cond>
-              </p:prevCondLst>
-              <p:nextCondLst>
-                <p:cond delay="0" evt="onNext">
-                  <p:tgtEl>
-                    <p:sldTgt/>
-                  </p:tgtEl>
-                </p:cond>
-              </p:nextCondLst>
-            </p:seq>
-          </p:childTnLst>
-        </p:cTn>
-      </p:par>
-    </p:tnLst>
-  </p:timing>
 </p:sld>
 </file>
 
@@ -16838,33 +15946,6 @@
       </p:sp>
     </p:spTree>
   </p:cSld>
-  <p:timing>
-    <p:tnLst>
-      <p:par>
-        <p:cTn id="15" dur="indefinite" restart="never" nodeType="tmRoot">
-          <p:childTnLst>
-            <p:seq>
-              <p:cTn id="16" nodeType="mainSeq"/>
-              <p:prevCondLst>
-                <p:cond delay="0" evt="onPrev">
-                  <p:tgtEl>
-                    <p:sldTgt/>
-                  </p:tgtEl>
-                </p:cond>
-              </p:prevCondLst>
-              <p:nextCondLst>
-                <p:cond delay="0" evt="onNext">
-                  <p:tgtEl>
-                    <p:sldTgt/>
-                  </p:tgtEl>
-                </p:cond>
-              </p:nextCondLst>
-            </p:seq>
-          </p:childTnLst>
-        </p:cTn>
-      </p:par>
-    </p:tnLst>
-  </p:timing>
 </p:sld>
 </file>
 
@@ -17115,33 +16196,6 @@
       </p:sp>
     </p:spTree>
   </p:cSld>
-  <p:timing>
-    <p:tnLst>
-      <p:par>
-        <p:cTn id="17" dur="indefinite" restart="never" nodeType="tmRoot">
-          <p:childTnLst>
-            <p:seq>
-              <p:cTn id="18" nodeType="mainSeq"/>
-              <p:prevCondLst>
-                <p:cond delay="0" evt="onPrev">
-                  <p:tgtEl>
-                    <p:sldTgt/>
-                  </p:tgtEl>
-                </p:cond>
-              </p:prevCondLst>
-              <p:nextCondLst>
-                <p:cond delay="0" evt="onNext">
-                  <p:tgtEl>
-                    <p:sldTgt/>
-                  </p:tgtEl>
-                </p:cond>
-              </p:nextCondLst>
-            </p:seq>
-          </p:childTnLst>
-        </p:cTn>
-      </p:par>
-    </p:tnLst>
-  </p:timing>
 </p:sld>
 </file>
 
@@ -17482,33 +16536,6 @@
       </p:sp>
     </p:spTree>
   </p:cSld>
-  <p:timing>
-    <p:tnLst>
-      <p:par>
-        <p:cTn id="19" dur="indefinite" restart="never" nodeType="tmRoot">
-          <p:childTnLst>
-            <p:seq>
-              <p:cTn id="20" nodeType="mainSeq"/>
-              <p:prevCondLst>
-                <p:cond delay="0" evt="onPrev">
-                  <p:tgtEl>
-                    <p:sldTgt/>
-                  </p:tgtEl>
-                </p:cond>
-              </p:prevCondLst>
-              <p:nextCondLst>
-                <p:cond delay="0" evt="onNext">
-                  <p:tgtEl>
-                    <p:sldTgt/>
-                  </p:tgtEl>
-                </p:cond>
-              </p:nextCondLst>
-            </p:seq>
-          </p:childTnLst>
-        </p:cTn>
-      </p:par>
-    </p:tnLst>
-  </p:timing>
 </p:sld>
 </file>
 
@@ -17645,33 +16672,6 @@
       </p:sp>
     </p:spTree>
   </p:cSld>
-  <p:timing>
-    <p:tnLst>
-      <p:par>
-        <p:cTn id="21" dur="indefinite" restart="never" nodeType="tmRoot">
-          <p:childTnLst>
-            <p:seq>
-              <p:cTn id="22" nodeType="mainSeq"/>
-              <p:prevCondLst>
-                <p:cond delay="0" evt="onPrev">
-                  <p:tgtEl>
-                    <p:sldTgt/>
-                  </p:tgtEl>
-                </p:cond>
-              </p:prevCondLst>
-              <p:nextCondLst>
-                <p:cond delay="0" evt="onNext">
-                  <p:tgtEl>
-                    <p:sldTgt/>
-                  </p:tgtEl>
-                </p:cond>
-              </p:nextCondLst>
-            </p:seq>
-          </p:childTnLst>
-        </p:cTn>
-      </p:par>
-    </p:tnLst>
-  </p:timing>
 </p:sld>
 </file>
 
